--- a/oreilly_intermediate_sql_for_data_analysis.pptx
+++ b/oreilly_intermediate_sql_for_data_analysis.pptx
@@ -214,7 +214,7 @@
           <a:p>
             <a:fld id="{D68E09DD-A271-4E46-9B09-7316EE422583}" type="datetimeFigureOut">
               <a:rPr lang="en-US"/>
-              <a:t>8/14/2019</a:t>
+              <a:t>9/18/2019</a:t>
             </a:fld>
             <a:endParaRPr lang="en-US"/>
           </a:p>
@@ -1547,7 +1547,7 @@
           <a:p>
             <a:fld id="{4BDF68E2-58F2-4D09-BE8B-E3BD06533059}" type="datetimeFigureOut">
               <a:rPr lang="en-US" dirty="0"/>
-              <a:t>8/14/2019</a:t>
+              <a:t>9/18/2019</a:t>
             </a:fld>
             <a:endParaRPr lang="en-US" dirty="0"/>
           </a:p>
@@ -1750,7 +1750,7 @@
           <a:p>
             <a:fld id="{2E2D6473-DF6D-4702-B328-E0DD40540A4E}" type="datetimeFigureOut">
               <a:rPr lang="en-US" dirty="0"/>
-              <a:t>8/14/2019</a:t>
+              <a:t>9/18/2019</a:t>
             </a:fld>
             <a:endParaRPr lang="en-US" dirty="0"/>
           </a:p>
@@ -2001,7 +2001,7 @@
           <a:p>
             <a:fld id="{E26F7E3A-B166-407D-9866-32884E7D5B37}" type="datetimeFigureOut">
               <a:rPr lang="en-US" dirty="0"/>
-              <a:t>8/14/2019</a:t>
+              <a:t>9/18/2019</a:t>
             </a:fld>
             <a:endParaRPr lang="en-US" dirty="0"/>
           </a:p>
@@ -2170,7 +2170,7 @@
           <a:p>
             <a:fld id="{528FC5F6-F338-4AE4-BB23-26385BCFC423}" type="datetimeFigureOut">
               <a:rPr lang="en-US" dirty="0"/>
-              <a:t>8/14/2019</a:t>
+              <a:t>9/18/2019</a:t>
             </a:fld>
             <a:endParaRPr lang="en-US" dirty="0"/>
           </a:p>
@@ -2508,7 +2508,7 @@
           <a:p>
             <a:fld id="{20EBB0C4-6273-4C6E-B9BD-2EDC30F1CD52}" type="datetimeFigureOut">
               <a:rPr lang="en-US" dirty="0"/>
-              <a:t>8/14/2019</a:t>
+              <a:t>9/18/2019</a:t>
             </a:fld>
             <a:endParaRPr lang="en-US" dirty="0"/>
           </a:p>
@@ -2778,7 +2778,7 @@
           <a:p>
             <a:fld id="{19AB4D41-86C1-4908-B66A-0B50CEB3BF29}" type="datetimeFigureOut">
               <a:rPr lang="en-US" dirty="0"/>
-              <a:t>8/14/2019</a:t>
+              <a:t>9/18/2019</a:t>
             </a:fld>
             <a:endParaRPr lang="en-US" dirty="0"/>
           </a:p>
@@ -3152,7 +3152,7 @@
           <a:p>
             <a:fld id="{E6426E2C-56C1-4E0D-A793-0088A7FDD37E}" type="datetimeFigureOut">
               <a:rPr lang="en-US" dirty="0"/>
-              <a:t>8/14/2019</a:t>
+              <a:t>9/18/2019</a:t>
             </a:fld>
             <a:endParaRPr lang="en-US" dirty="0"/>
           </a:p>
@@ -3265,7 +3265,7 @@
           <a:p>
             <a:fld id="{C8C39B41-D8B5-4052-B551-9B5525EAA8B6}" type="datetimeFigureOut">
               <a:rPr lang="en-US" dirty="0"/>
-              <a:t>8/14/2019</a:t>
+              <a:t>9/18/2019</a:t>
             </a:fld>
             <a:endParaRPr lang="en-US" dirty="0"/>
           </a:p>
@@ -3431,7 +3431,7 @@
           <a:p>
             <a:fld id="{4D94136C-8742-45B2-AF27-D93DF72833A9}" type="datetimeFigureOut">
               <a:rPr lang="en-US" dirty="0"/>
-              <a:t>8/14/2019</a:t>
+              <a:t>9/18/2019</a:t>
             </a:fld>
             <a:endParaRPr lang="en-US" dirty="0"/>
           </a:p>
@@ -3781,7 +3781,7 @@
           <a:p>
             <a:fld id="{32ABBEA6-7C60-4B02-AE87-00D78D8422AF}" type="datetimeFigureOut">
               <a:rPr lang="en-US" dirty="0"/>
-              <a:t>8/14/2019</a:t>
+              <a:t>9/18/2019</a:t>
             </a:fld>
             <a:endParaRPr lang="en-US" dirty="0"/>
           </a:p>
@@ -4156,7 +4156,7 @@
           <a:p>
             <a:fld id="{C9CAD897-D46E-4AD2-BD9B-49DD3E640873}" type="datetimeFigureOut">
               <a:rPr lang="en-US" dirty="0"/>
-              <a:t>8/14/2019</a:t>
+              <a:t>9/18/2019</a:t>
             </a:fld>
             <a:endParaRPr lang="en-US" dirty="0"/>
           </a:p>
@@ -4438,7 +4438,7 @@
           <a:p>
             <a:fld id="{98624D31-43A5-475A-80CF-332C9F6DCF35}" type="datetimeFigureOut">
               <a:rPr lang="en-US" dirty="0"/>
-              <a:t>8/14/2019</a:t>
+              <a:t>9/18/2019</a:t>
             </a:fld>
             <a:endParaRPr lang="en-US" dirty="0"/>
           </a:p>
@@ -4964,7 +4964,6 @@
           </p:cNvSpPr>
           <p:nvPr>
             <p:ph type="ctrTitle"/>
-            <p:extLst/>
           </p:nvPr>
         </p:nvSpPr>
         <p:spPr/>
@@ -4987,7 +4986,6 @@
           </p:cNvSpPr>
           <p:nvPr>
             <p:ph type="subTitle" idx="1"/>
-            <p:extLst/>
           </p:nvPr>
         </p:nvSpPr>
         <p:spPr/>
@@ -5071,7 +5069,6 @@
           </p:cNvSpPr>
           <p:nvPr>
             <p:ph type="title"/>
-            <p:extLst/>
           </p:nvPr>
         </p:nvSpPr>
         <p:spPr/>
@@ -5094,7 +5091,6 @@
           </p:cNvSpPr>
           <p:nvPr>
             <p:ph idx="1"/>
-            <p:extLst/>
           </p:nvPr>
         </p:nvSpPr>
         <p:spPr/>
@@ -5152,7 +5148,6 @@
           </p:cNvSpPr>
           <p:nvPr>
             <p:ph type="title"/>
-            <p:extLst/>
           </p:nvPr>
         </p:nvSpPr>
         <p:spPr/>
@@ -5175,7 +5170,6 @@
           </p:cNvSpPr>
           <p:nvPr>
             <p:ph idx="1"/>
-            <p:extLst/>
           </p:nvPr>
         </p:nvSpPr>
         <p:spPr/>
@@ -5236,7 +5230,6 @@
           </p:cNvSpPr>
           <p:nvPr>
             <p:ph type="title"/>
-            <p:extLst/>
           </p:nvPr>
         </p:nvSpPr>
         <p:spPr/>
@@ -5259,7 +5252,6 @@
           </p:cNvSpPr>
           <p:nvPr>
             <p:ph idx="1"/>
-            <p:extLst/>
           </p:nvPr>
         </p:nvSpPr>
         <p:spPr/>
@@ -5839,7 +5831,6 @@
           </p:cNvSpPr>
           <p:nvPr>
             <p:ph type="title"/>
-            <p:extLst/>
           </p:nvPr>
         </p:nvSpPr>
         <p:spPr/>
@@ -5862,7 +5853,6 @@
           </p:cNvSpPr>
           <p:nvPr>
             <p:ph idx="1"/>
-            <p:extLst/>
           </p:nvPr>
         </p:nvSpPr>
         <p:spPr/>
@@ -7472,10 +7462,9 @@
           <a:lstStyle/>
           <a:p>
             <a:r>
-              <a:rPr lang="en-US" dirty="0" smtClean="0"/>
+              <a:rPr lang="en-US" dirty="0"/>
               <a:t>Other Online Trainings by Thomas Nield</a:t>
             </a:r>
-            <a:endParaRPr lang="en-US" dirty="0"/>
           </a:p>
         </p:txBody>
       </p:sp>
@@ -7511,24 +7500,12 @@
               <a:buNone/>
             </a:pPr>
             <a:r>
-              <a:rPr lang="en-US" sz="2000" i="1" dirty="0" smtClean="0">
-                <a:hlinkClick r:id="rId2"/>
-              </a:rPr>
-              <a:t>SQL </a:t>
-            </a:r>
-            <a:r>
               <a:rPr lang="en-US" sz="2000" i="1" dirty="0">
                 <a:hlinkClick r:id="rId2"/>
               </a:rPr>
-              <a:t>Fundamentals for </a:t>
-            </a:r>
-            <a:r>
-              <a:rPr lang="en-US" sz="2000" i="1" dirty="0" smtClean="0">
-                <a:hlinkClick r:id="rId2"/>
-              </a:rPr>
-              <a:t>Data</a:t>
-            </a:r>
-            <a:endParaRPr lang="en-US" sz="2000" i="1" dirty="0" smtClean="0"/>
+              <a:t>SQL Fundamentals for Data</a:t>
+            </a:r>
+            <a:endParaRPr lang="en-US" sz="2000" i="1" dirty="0"/>
           </a:p>
           <a:p>
             <a:pPr marL="154951" lvl="1" indent="0">
@@ -7538,24 +7515,12 @@
               <a:buNone/>
             </a:pPr>
             <a:r>
-              <a:rPr lang="en-US" sz="2000" i="1" dirty="0" smtClean="0">
-                <a:hlinkClick r:id="rId3"/>
-              </a:rPr>
-              <a:t>Intermediate </a:t>
-            </a:r>
-            <a:r>
               <a:rPr lang="en-US" sz="2000" i="1" dirty="0">
                 <a:hlinkClick r:id="rId3"/>
               </a:rPr>
-              <a:t>SQL for Data </a:t>
-            </a:r>
-            <a:r>
-              <a:rPr lang="en-US" sz="2000" i="1" dirty="0" smtClean="0">
-                <a:hlinkClick r:id="rId3"/>
-              </a:rPr>
-              <a:t>Analytics</a:t>
-            </a:r>
-            <a:endParaRPr lang="en-US" sz="2000" i="1" dirty="0" smtClean="0"/>
+              <a:t>Intermediate SQL for Data Analytics</a:t>
+            </a:r>
+            <a:endParaRPr lang="en-US" sz="2000" i="1" dirty="0"/>
           </a:p>
           <a:p>
             <a:pPr marL="154951" lvl="1" indent="0">
@@ -7565,24 +7530,12 @@
               <a:buNone/>
             </a:pPr>
             <a:r>
-              <a:rPr lang="en-US" sz="2000" i="1" dirty="0" smtClean="0">
-                <a:hlinkClick r:id="rId4"/>
-              </a:rPr>
-              <a:t>Intro </a:t>
-            </a:r>
-            <a:r>
               <a:rPr lang="en-US" sz="2000" i="1" dirty="0">
                 <a:hlinkClick r:id="rId4"/>
               </a:rPr>
-              <a:t>to Mathematical </a:t>
-            </a:r>
-            <a:r>
-              <a:rPr lang="en-US" sz="2000" i="1" dirty="0" smtClean="0">
-                <a:hlinkClick r:id="rId4"/>
-              </a:rPr>
-              <a:t>Optimization</a:t>
-            </a:r>
-            <a:endParaRPr lang="en-US" sz="2000" i="1" dirty="0" smtClean="0"/>
+              <a:t>Intro to Mathematical Optimization</a:t>
+            </a:r>
+            <a:endParaRPr lang="en-US" sz="2000" i="1" dirty="0"/>
           </a:p>
           <a:p>
             <a:pPr marL="154951" lvl="1" indent="0">
@@ -7592,16 +7545,10 @@
               <a:buNone/>
             </a:pPr>
             <a:r>
-              <a:rPr lang="en-US" sz="2000" i="1" dirty="0" smtClean="0">
-                <a:hlinkClick r:id="rId5"/>
-              </a:rPr>
-              <a:t>Machine </a:t>
-            </a:r>
-            <a:r>
               <a:rPr lang="en-US" sz="2000" i="1" dirty="0">
                 <a:hlinkClick r:id="rId5"/>
               </a:rPr>
-              <a:t>Learning from Scratch</a:t>
+              <a:t>Machine Learning from Scratch</a:t>
             </a:r>
             <a:endParaRPr lang="en-US" sz="2000" i="1" dirty="0"/>
           </a:p>
@@ -7645,7 +7592,6 @@
           </p:cNvSpPr>
           <p:nvPr>
             <p:ph type="title"/>
-            <p:extLst/>
           </p:nvPr>
         </p:nvSpPr>
         <p:spPr/>
@@ -7668,7 +7614,6 @@
           </p:cNvSpPr>
           <p:nvPr>
             <p:ph idx="1"/>
-            <p:extLst/>
           </p:nvPr>
         </p:nvSpPr>
         <p:spPr/>
@@ -7757,7 +7702,6 @@
           </p:cNvSpPr>
           <p:nvPr>
             <p:ph type="title"/>
-            <p:extLst/>
           </p:nvPr>
         </p:nvSpPr>
         <p:spPr/>
@@ -7767,13 +7711,8 @@
           <a:p>
             <a:r>
               <a:rPr lang="en-US" dirty="0"/>
-              <a:t>About the </a:t>
-            </a:r>
-            <a:r>
-              <a:rPr lang="en-US" dirty="0" smtClean="0"/>
-              <a:t>Instructor</a:t>
-            </a:r>
-            <a:endParaRPr lang="en-US" dirty="0"/>
+              <a:t>About the Instructor</a:t>
+            </a:r>
           </a:p>
         </p:txBody>
       </p:sp>
@@ -7785,7 +7724,6 @@
           </p:cNvSpPr>
           <p:nvPr>
             <p:ph idx="1"/>
-            <p:extLst/>
           </p:nvPr>
         </p:nvSpPr>
         <p:spPr/>
@@ -8170,7 +8108,6 @@
           </p:cNvSpPr>
           <p:nvPr>
             <p:ph type="title"/>
-            <p:extLst/>
           </p:nvPr>
         </p:nvSpPr>
         <p:spPr/>
@@ -8193,7 +8130,6 @@
           </p:cNvSpPr>
           <p:nvPr>
             <p:ph idx="1"/>
-            <p:extLst/>
           </p:nvPr>
         </p:nvSpPr>
         <p:spPr/>
@@ -8204,8 +8140,12 @@
           <a:lstStyle/>
           <a:p>
             <a:r>
+              <a:rPr lang="en-US" dirty="0" err="1"/>
+              <a:t>SQLiteStudio</a:t>
+            </a:r>
+            <a:r>
               <a:rPr lang="en-US" dirty="0"/>
-              <a:t>DB Browser for SQLite can be downloaded at the official site:</a:t>
+              <a:t> or DB Browser for SQLite can be downloaded here:</a:t>
             </a:r>
           </a:p>
           <a:p>
@@ -8213,6 +8153,15 @@
               <a:rPr lang="en-US" dirty="0">
                 <a:hlinkClick r:id="rId3"/>
               </a:rPr>
+              <a:t>https://sqlitestudio.pl/</a:t>
+            </a:r>
+            <a:endParaRPr lang="en-US" dirty="0"/>
+          </a:p>
+          <a:p>
+            <a:r>
+              <a:rPr lang="en-US" dirty="0">
+                <a:hlinkClick r:id="rId4"/>
+              </a:rPr>
               <a:t>https://sqlitebrowser.org/</a:t>
             </a:r>
             <a:endParaRPr lang="en-US" dirty="0"/>
@@ -8223,7 +8172,7 @@
           <a:p>
             <a:r>
               <a:rPr lang="en-US" dirty="0"/>
-              <a:t>You can install DB Browser, or use a portable version where you can download, unzip, and launch the executable. </a:t>
+              <a:t>You can install either of these platforms.</a:t>
             </a:r>
           </a:p>
           <a:p>
@@ -8281,7 +8230,6 @@
           </p:cNvSpPr>
           <p:nvPr>
             <p:ph type="title"/>
-            <p:extLst/>
           </p:nvPr>
         </p:nvSpPr>
         <p:spPr/>
@@ -8304,7 +8252,6 @@
           </p:cNvSpPr>
           <p:nvPr>
             <p:ph idx="1"/>
-            <p:extLst/>
           </p:nvPr>
         </p:nvSpPr>
         <p:spPr/>
@@ -8417,7 +8364,6 @@
           </p:cNvSpPr>
           <p:nvPr>
             <p:ph type="title"/>
-            <p:extLst/>
           </p:nvPr>
         </p:nvSpPr>
         <p:spPr/>
@@ -8440,7 +8386,6 @@
           </p:cNvSpPr>
           <p:nvPr>
             <p:ph idx="1"/>
-            <p:extLst/>
           </p:nvPr>
         </p:nvSpPr>
         <p:spPr/>
@@ -8523,7 +8468,6 @@
           </p:cNvSpPr>
           <p:nvPr>
             <p:ph type="title"/>
-            <p:extLst/>
           </p:nvPr>
         </p:nvSpPr>
         <p:spPr/>
@@ -8546,7 +8490,6 @@
           </p:cNvSpPr>
           <p:nvPr>
             <p:ph idx="1"/>
-            <p:extLst/>
           </p:nvPr>
         </p:nvSpPr>
         <p:spPr/>

--- a/oreilly_intermediate_sql_for_data_analysis.pptx
+++ b/oreilly_intermediate_sql_for_data_analysis.pptx
@@ -24,7 +24,7 @@
     <p:sldId id="267" r:id="rId15"/>
     <p:sldId id="268" r:id="rId16"/>
     <p:sldId id="269" r:id="rId17"/>
-    <p:sldId id="270" r:id="rId18"/>
+    <p:sldId id="351" r:id="rId18"/>
     <p:sldId id="273" r:id="rId19"/>
   </p:sldIdLst>
   <p:sldSz cx="12192000" cy="6858000"/>
@@ -214,7 +214,7 @@
           <a:p>
             <a:fld id="{D68E09DD-A271-4E46-9B09-7316EE422583}" type="datetimeFigureOut">
               <a:rPr lang="en-US"/>
-              <a:t>9/18/2019</a:t>
+              <a:t>2/25/2020</a:t>
             </a:fld>
             <a:endParaRPr lang="en-US"/>
           </a:p>
@@ -1547,7 +1547,7 @@
           <a:p>
             <a:fld id="{4BDF68E2-58F2-4D09-BE8B-E3BD06533059}" type="datetimeFigureOut">
               <a:rPr lang="en-US" dirty="0"/>
-              <a:t>9/18/2019</a:t>
+              <a:t>2/25/2020</a:t>
             </a:fld>
             <a:endParaRPr lang="en-US" dirty="0"/>
           </a:p>
@@ -1750,7 +1750,7 @@
           <a:p>
             <a:fld id="{2E2D6473-DF6D-4702-B328-E0DD40540A4E}" type="datetimeFigureOut">
               <a:rPr lang="en-US" dirty="0"/>
-              <a:t>9/18/2019</a:t>
+              <a:t>2/25/2020</a:t>
             </a:fld>
             <a:endParaRPr lang="en-US" dirty="0"/>
           </a:p>
@@ -2001,7 +2001,7 @@
           <a:p>
             <a:fld id="{E26F7E3A-B166-407D-9866-32884E7D5B37}" type="datetimeFigureOut">
               <a:rPr lang="en-US" dirty="0"/>
-              <a:t>9/18/2019</a:t>
+              <a:t>2/25/2020</a:t>
             </a:fld>
             <a:endParaRPr lang="en-US" dirty="0"/>
           </a:p>
@@ -2050,6 +2050,351 @@
         </p:txBody>
       </p:sp>
     </p:spTree>
+  </p:cSld>
+  <p:clrMapOvr>
+    <a:masterClrMapping/>
+  </p:clrMapOvr>
+</p:sldLayout>
+</file>
+
+<file path=ppt/slideLayouts/slideLayout12.xml><?xml version="1.0" encoding="utf-8"?>
+<p:sldLayout xmlns:a="http://schemas.openxmlformats.org/drawingml/2006/main" xmlns:r="http://schemas.openxmlformats.org/officeDocument/2006/relationships" xmlns:p="http://schemas.openxmlformats.org/presentationml/2006/main" userDrawn="1">
+  <p:cSld name="1_Title and Content">
+    <p:spTree>
+      <p:nvGrpSpPr>
+        <p:cNvPr id="1" name=""/>
+        <p:cNvGrpSpPr/>
+        <p:nvPr/>
+      </p:nvGrpSpPr>
+      <p:grpSpPr>
+        <a:xfrm>
+          <a:off x="0" y="0"/>
+          <a:ext cx="0" cy="0"/>
+          <a:chOff x="0" y="0"/>
+          <a:chExt cx="0" cy="0"/>
+        </a:xfrm>
+      </p:grpSpPr>
+      <p:sp>
+        <p:nvSpPr>
+          <p:cNvPr id="9" name="Rectangle 8"/>
+          <p:cNvSpPr/>
+          <p:nvPr userDrawn="1"/>
+        </p:nvSpPr>
+        <p:spPr>
+          <a:xfrm>
+            <a:off x="256034" y="265177"/>
+            <a:ext cx="11683049" cy="6332433"/>
+          </a:xfrm>
+          <a:prstGeom prst="rect">
+            <a:avLst/>
+          </a:prstGeom>
+          <a:solidFill>
+            <a:srgbClr val="F5F5F5"/>
+          </a:solidFill>
+          <a:ln>
+            <a:noFill/>
+          </a:ln>
+        </p:spPr>
+        <p:style>
+          <a:lnRef idx="2">
+            <a:schemeClr val="accent1">
+              <a:shade val="50000"/>
+            </a:schemeClr>
+          </a:lnRef>
+          <a:fillRef idx="1">
+            <a:schemeClr val="accent1"/>
+          </a:fillRef>
+          <a:effectRef idx="0">
+            <a:schemeClr val="accent1"/>
+          </a:effectRef>
+          <a:fontRef idx="minor">
+            <a:schemeClr val="lt1"/>
+          </a:fontRef>
+        </p:style>
+        <p:txBody>
+          <a:bodyPr rtlCol="0" anchor="b" anchorCtr="0"/>
+          <a:lstStyle/>
+          <a:p>
+            <a:pPr algn="ctr"/>
+            <a:endParaRPr lang="en-US" sz="1800" dirty="0"/>
+          </a:p>
+        </p:txBody>
+      </p:sp>
+      <p:cxnSp>
+        <p:nvCxnSpPr>
+          <p:cNvPr id="12" name="Straight Connector 11"/>
+          <p:cNvCxnSpPr/>
+          <p:nvPr userDrawn="1"/>
+        </p:nvCxnSpPr>
+        <p:spPr>
+          <a:xfrm>
+            <a:off x="604435" y="1196392"/>
+            <a:ext cx="10983132" cy="0"/>
+          </a:xfrm>
+          <a:prstGeom prst="line">
+            <a:avLst/>
+          </a:prstGeom>
+          <a:ln w="25400">
+            <a:solidFill>
+              <a:srgbClr val="D24726"/>
+            </a:solidFill>
+          </a:ln>
+        </p:spPr>
+        <p:style>
+          <a:lnRef idx="1">
+            <a:schemeClr val="accent1"/>
+          </a:lnRef>
+          <a:fillRef idx="0">
+            <a:schemeClr val="accent1"/>
+          </a:fillRef>
+          <a:effectRef idx="0">
+            <a:schemeClr val="accent1"/>
+          </a:effectRef>
+          <a:fontRef idx="minor">
+            <a:schemeClr val="tx1"/>
+          </a:fontRef>
+        </p:style>
+      </p:cxnSp>
+      <p:sp>
+        <p:nvSpPr>
+          <p:cNvPr id="14" name="Content Placeholder 3"/>
+          <p:cNvSpPr>
+            <a:spLocks noGrp="1"/>
+          </p:cNvSpPr>
+          <p:nvPr>
+            <p:ph sz="half" idx="2" hasCustomPrompt="1"/>
+          </p:nvPr>
+        </p:nvSpPr>
+        <p:spPr>
+          <a:xfrm>
+            <a:off x="541612" y="1431014"/>
+            <a:ext cx="4413627" cy="3978275"/>
+          </a:xfrm>
+        </p:spPr>
+        <p:txBody>
+          <a:bodyPr vert="horz" lIns="91440" tIns="45720" rIns="91440" bIns="45720" rtlCol="0">
+            <a:normAutofit/>
+          </a:bodyPr>
+          <a:lstStyle>
+            <a:lvl1pPr>
+              <a:lnSpc>
+                <a:spcPts val="1800"/>
+              </a:lnSpc>
+              <a:spcBef>
+                <a:spcPts val="1000"/>
+              </a:spcBef>
+              <a:spcAft>
+                <a:spcPts val="1000"/>
+              </a:spcAft>
+              <a:defRPr lang="en-US" sz="1800" smtClean="0">
+                <a:solidFill>
+                  <a:schemeClr val="tx1">
+                    <a:lumMod val="75000"/>
+                    <a:lumOff val="25000"/>
+                  </a:schemeClr>
+                </a:solidFill>
+              </a:defRPr>
+            </a:lvl1pPr>
+            <a:lvl2pPr>
+              <a:lnSpc>
+                <a:spcPts val="1800"/>
+              </a:lnSpc>
+              <a:spcBef>
+                <a:spcPts val="1000"/>
+              </a:spcBef>
+              <a:spcAft>
+                <a:spcPts val="1000"/>
+              </a:spcAft>
+              <a:defRPr lang="en-US" sz="1200" smtClean="0">
+                <a:solidFill>
+                  <a:schemeClr val="tx1">
+                    <a:lumMod val="75000"/>
+                    <a:lumOff val="25000"/>
+                  </a:schemeClr>
+                </a:solidFill>
+              </a:defRPr>
+            </a:lvl2pPr>
+            <a:lvl3pPr>
+              <a:lnSpc>
+                <a:spcPts val="1800"/>
+              </a:lnSpc>
+              <a:spcBef>
+                <a:spcPts val="1000"/>
+              </a:spcBef>
+              <a:spcAft>
+                <a:spcPts val="1000"/>
+              </a:spcAft>
+              <a:defRPr lang="en-US" sz="1200" smtClean="0">
+                <a:solidFill>
+                  <a:schemeClr val="tx1">
+                    <a:lumMod val="75000"/>
+                    <a:lumOff val="25000"/>
+                  </a:schemeClr>
+                </a:solidFill>
+              </a:defRPr>
+            </a:lvl3pPr>
+            <a:lvl4pPr>
+              <a:lnSpc>
+                <a:spcPts val="1800"/>
+              </a:lnSpc>
+              <a:spcBef>
+                <a:spcPts val="1000"/>
+              </a:spcBef>
+              <a:spcAft>
+                <a:spcPts val="1000"/>
+              </a:spcAft>
+              <a:defRPr lang="en-US" sz="1200" smtClean="0">
+                <a:solidFill>
+                  <a:schemeClr val="tx1">
+                    <a:lumMod val="75000"/>
+                    <a:lumOff val="25000"/>
+                  </a:schemeClr>
+                </a:solidFill>
+              </a:defRPr>
+            </a:lvl4pPr>
+            <a:lvl5pPr>
+              <a:lnSpc>
+                <a:spcPts val="1800"/>
+              </a:lnSpc>
+              <a:spcBef>
+                <a:spcPts val="1000"/>
+              </a:spcBef>
+              <a:spcAft>
+                <a:spcPts val="1000"/>
+              </a:spcAft>
+              <a:defRPr lang="en-US" sz="1200">
+                <a:solidFill>
+                  <a:schemeClr val="tx1">
+                    <a:lumMod val="75000"/>
+                    <a:lumOff val="25000"/>
+                  </a:schemeClr>
+                </a:solidFill>
+              </a:defRPr>
+            </a:lvl5pPr>
+          </a:lstStyle>
+          <a:p>
+            <a:pPr marL="0" lvl="0" indent="0">
+              <a:lnSpc>
+                <a:spcPct val="150000"/>
+              </a:lnSpc>
+              <a:spcAft>
+                <a:spcPts val="1200"/>
+              </a:spcAft>
+              <a:buNone/>
+            </a:pPr>
+            <a:r>
+              <a:rPr lang="en-US" dirty="0"/>
+              <a:t>Click to edit Master text styles</a:t>
+            </a:r>
+          </a:p>
+          <a:p>
+            <a:pPr marL="0" lvl="1" indent="0">
+              <a:lnSpc>
+                <a:spcPct val="150000"/>
+              </a:lnSpc>
+              <a:spcAft>
+                <a:spcPts val="1200"/>
+              </a:spcAft>
+              <a:buNone/>
+            </a:pPr>
+            <a:r>
+              <a:rPr lang="en-US" dirty="0"/>
+              <a:t>Second level</a:t>
+            </a:r>
+          </a:p>
+          <a:p>
+            <a:pPr marL="0" lvl="2" indent="0">
+              <a:lnSpc>
+                <a:spcPct val="150000"/>
+              </a:lnSpc>
+              <a:spcAft>
+                <a:spcPts val="1200"/>
+              </a:spcAft>
+              <a:buNone/>
+            </a:pPr>
+            <a:r>
+              <a:rPr lang="en-US" dirty="0"/>
+              <a:t>Third level</a:t>
+            </a:r>
+          </a:p>
+          <a:p>
+            <a:pPr marL="0" lvl="3" indent="0">
+              <a:lnSpc>
+                <a:spcPct val="150000"/>
+              </a:lnSpc>
+              <a:spcAft>
+                <a:spcPts val="1200"/>
+              </a:spcAft>
+              <a:buNone/>
+            </a:pPr>
+            <a:r>
+              <a:rPr lang="en-US" dirty="0"/>
+              <a:t>Fourth level</a:t>
+            </a:r>
+          </a:p>
+          <a:p>
+            <a:pPr marL="0" lvl="4" indent="0">
+              <a:lnSpc>
+                <a:spcPct val="150000"/>
+              </a:lnSpc>
+              <a:spcAft>
+                <a:spcPts val="1200"/>
+              </a:spcAft>
+              <a:buNone/>
+            </a:pPr>
+            <a:r>
+              <a:rPr lang="en-US" dirty="0"/>
+              <a:t>Fifth level</a:t>
+            </a:r>
+          </a:p>
+        </p:txBody>
+      </p:sp>
+      <p:sp>
+        <p:nvSpPr>
+          <p:cNvPr id="4" name="Title 3"/>
+          <p:cNvSpPr>
+            <a:spLocks noGrp="1"/>
+          </p:cNvSpPr>
+          <p:nvPr>
+            <p:ph type="title"/>
+          </p:nvPr>
+        </p:nvSpPr>
+        <p:spPr>
+          <a:xfrm>
+            <a:off x="521208" y="448056"/>
+            <a:ext cx="6117336" cy="640080"/>
+          </a:xfrm>
+        </p:spPr>
+        <p:txBody>
+          <a:bodyPr anchor="b" anchorCtr="0">
+            <a:normAutofit/>
+          </a:bodyPr>
+          <a:lstStyle>
+            <a:lvl1pPr>
+              <a:defRPr sz="2800">
+                <a:solidFill>
+                  <a:schemeClr val="bg2">
+                    <a:lumMod val="25000"/>
+                  </a:schemeClr>
+                </a:solidFill>
+              </a:defRPr>
+            </a:lvl1pPr>
+          </a:lstStyle>
+          <a:p>
+            <a:r>
+              <a:rPr lang="en-US"/>
+              <a:t>Click to edit Master title style</a:t>
+            </a:r>
+            <a:endParaRPr lang="en-US" dirty="0"/>
+          </a:p>
+        </p:txBody>
+      </p:sp>
+    </p:spTree>
+    <p:extLst>
+      <p:ext uri="{BB962C8B-B14F-4D97-AF65-F5344CB8AC3E}">
+        <p14:creationId xmlns:p14="http://schemas.microsoft.com/office/powerpoint/2010/main" val="2390155955"/>
+      </p:ext>
+    </p:extLst>
   </p:cSld>
   <p:clrMapOvr>
     <a:masterClrMapping/>
@@ -2170,7 +2515,7 @@
           <a:p>
             <a:fld id="{528FC5F6-F338-4AE4-BB23-26385BCFC423}" type="datetimeFigureOut">
               <a:rPr lang="en-US" dirty="0"/>
-              <a:t>9/18/2019</a:t>
+              <a:t>2/25/2020</a:t>
             </a:fld>
             <a:endParaRPr lang="en-US" dirty="0"/>
           </a:p>
@@ -2508,7 +2853,7 @@
           <a:p>
             <a:fld id="{20EBB0C4-6273-4C6E-B9BD-2EDC30F1CD52}" type="datetimeFigureOut">
               <a:rPr lang="en-US" dirty="0"/>
-              <a:t>9/18/2019</a:t>
+              <a:t>2/25/2020</a:t>
             </a:fld>
             <a:endParaRPr lang="en-US" dirty="0"/>
           </a:p>
@@ -2778,7 +3123,7 @@
           <a:p>
             <a:fld id="{19AB4D41-86C1-4908-B66A-0B50CEB3BF29}" type="datetimeFigureOut">
               <a:rPr lang="en-US" dirty="0"/>
-              <a:t>9/18/2019</a:t>
+              <a:t>2/25/2020</a:t>
             </a:fld>
             <a:endParaRPr lang="en-US" dirty="0"/>
           </a:p>
@@ -3152,7 +3497,7 @@
           <a:p>
             <a:fld id="{E6426E2C-56C1-4E0D-A793-0088A7FDD37E}" type="datetimeFigureOut">
               <a:rPr lang="en-US" dirty="0"/>
-              <a:t>9/18/2019</a:t>
+              <a:t>2/25/2020</a:t>
             </a:fld>
             <a:endParaRPr lang="en-US" dirty="0"/>
           </a:p>
@@ -3265,7 +3610,7 @@
           <a:p>
             <a:fld id="{C8C39B41-D8B5-4052-B551-9B5525EAA8B6}" type="datetimeFigureOut">
               <a:rPr lang="en-US" dirty="0"/>
-              <a:t>9/18/2019</a:t>
+              <a:t>2/25/2020</a:t>
             </a:fld>
             <a:endParaRPr lang="en-US" dirty="0"/>
           </a:p>
@@ -3431,7 +3776,7 @@
           <a:p>
             <a:fld id="{4D94136C-8742-45B2-AF27-D93DF72833A9}" type="datetimeFigureOut">
               <a:rPr lang="en-US" dirty="0"/>
-              <a:t>9/18/2019</a:t>
+              <a:t>2/25/2020</a:t>
             </a:fld>
             <a:endParaRPr lang="en-US" dirty="0"/>
           </a:p>
@@ -3781,7 +4126,7 @@
           <a:p>
             <a:fld id="{32ABBEA6-7C60-4B02-AE87-00D78D8422AF}" type="datetimeFigureOut">
               <a:rPr lang="en-US" dirty="0"/>
-              <a:t>9/18/2019</a:t>
+              <a:t>2/25/2020</a:t>
             </a:fld>
             <a:endParaRPr lang="en-US" dirty="0"/>
           </a:p>
@@ -4156,7 +4501,7 @@
           <a:p>
             <a:fld id="{C9CAD897-D46E-4AD2-BD9B-49DD3E640873}" type="datetimeFigureOut">
               <a:rPr lang="en-US" dirty="0"/>
-              <a:t>9/18/2019</a:t>
+              <a:t>2/25/2020</a:t>
             </a:fld>
             <a:endParaRPr lang="en-US" dirty="0"/>
           </a:p>
@@ -4438,7 +4783,7 @@
           <a:p>
             <a:fld id="{98624D31-43A5-475A-80CF-332C9F6DCF35}" type="datetimeFigureOut">
               <a:rPr lang="en-US" dirty="0"/>
-              <a:t>9/18/2019</a:t>
+              <a:t>2/25/2020</a:t>
             </a:fld>
             <a:endParaRPr lang="en-US" dirty="0"/>
           </a:p>
@@ -4572,6 +4917,7 @@
     <p:sldLayoutId id="2147483657" r:id="rId9"/>
     <p:sldLayoutId id="2147483658" r:id="rId10"/>
     <p:sldLayoutId id="2147483659" r:id="rId11"/>
+    <p:sldLayoutId id="2147483661" r:id="rId12"/>
   </p:sldLayoutIdLst>
   <p:hf sldNum="0" hdr="0" ftr="0" dt="0"/>
   <p:txStyles>
@@ -7295,7 +7641,7 @@
         </p:nvSpPr>
         <p:spPr>
           <a:xfrm>
-            <a:off x="942606" y="2067118"/>
+            <a:off x="541612" y="1431014"/>
             <a:ext cx="10213074" cy="5137566"/>
           </a:xfrm>
         </p:spPr>
@@ -7307,7 +7653,35 @@
           <a:p>
             <a:r>
               <a:rPr lang="en-US" dirty="0"/>
-              <a:t>This couple cannot do the simplest things online because their last name is ‘Null’</a:t>
+              <a:t>Simple Voice-Command SQL Injection Hack into Alexa Application</a:t>
+            </a:r>
+          </a:p>
+          <a:p>
+            <a:pPr marL="0" lvl="1" indent="0">
+              <a:buNone/>
+            </a:pPr>
+            <a:r>
+              <a:rPr lang="en-US" dirty="0"/>
+              <a:t>           </a:t>
+            </a:r>
+            <a:r>
+              <a:rPr lang="en-US" dirty="0">
+                <a:hlinkClick r:id="rId2">
+                  <a:extLst>
+                    <a:ext uri="{A12FA001-AC4F-418D-AE19-62706E023703}">
+                      <ahyp:hlinkClr xmlns:ahyp="http://schemas.microsoft.com/office/drawing/2018/hyperlinkcolor" val="tx"/>
+                    </a:ext>
+                  </a:extLst>
+                </a:hlinkClick>
+              </a:rPr>
+              <a:t>https://securityboulevard.com/2019/09/simple-voice-command-sql-injection-hack-into-alexa-application/</a:t>
+            </a:r>
+            <a:endParaRPr lang="en-US" dirty="0"/>
+          </a:p>
+          <a:p>
+            <a:r>
+              <a:rPr lang="en-US" dirty="0"/>
+              <a:t>How a 'NULL' License Plate Landed One Hacker in Ticket Hell</a:t>
             </a:r>
           </a:p>
           <a:p>
@@ -7316,16 +7690,22 @@
             </a:pPr>
             <a:r>
               <a:rPr lang="en-US" dirty="0">
-                <a:hlinkClick r:id="rId2"/>
+                <a:hlinkClick r:id="rId3">
+                  <a:extLst>
+                    <a:ext uri="{A12FA001-AC4F-418D-AE19-62706E023703}">
+                      <ahyp:hlinkClr xmlns:ahyp="http://schemas.microsoft.com/office/drawing/2018/hyperlinkcolor" val="tx"/>
+                    </a:ext>
+                  </a:extLst>
+                </a:hlinkClick>
               </a:rPr>
-              <a:t>https://thenextweb.com/insider/2016/03/27/last-name-null-is-tough-for-computers/</a:t>
+              <a:t>https://www.wired.com/story/null-license-plate-landed-one-hacker-ticket-hell/</a:t>
             </a:r>
             <a:endParaRPr lang="en-US" dirty="0"/>
           </a:p>
           <a:p>
             <a:r>
               <a:rPr lang="en-US" dirty="0"/>
-              <a:t>Catholic financial services hacked, 130K accounts exposed</a:t>
+              <a:t>This couple cannot do the simplest things online because their last name is ‘Null’</a:t>
             </a:r>
           </a:p>
           <a:p>
@@ -7334,49 +7714,9 @@
             </a:pPr>
             <a:r>
               <a:rPr lang="en-US" dirty="0">
-                <a:hlinkClick r:id="rId3"/>
-              </a:rPr>
-              <a:t>http://www.twincities.com/2017/10/16/catholic-united-financial-data-breach-may-have-affected-nearly-130k-accounts/</a:t>
-            </a:r>
-            <a:endParaRPr lang="en-US" dirty="0"/>
-          </a:p>
-          <a:p>
-            <a:r>
-              <a:rPr lang="en-US" dirty="0"/>
-              <a:t>South Africa’s massive data breach </a:t>
-            </a:r>
-          </a:p>
-          <a:p>
-            <a:pPr marL="457177" lvl="1" indent="0">
-              <a:buNone/>
-            </a:pPr>
-            <a:r>
-              <a:rPr lang="en-US" dirty="0">
                 <a:hlinkClick r:id="rId4"/>
               </a:rPr>
-              <a:t>https://www.moneyweb.co.za/news/tech/revealed-the-real-source-of-sas-massive-data-breach/</a:t>
-            </a:r>
-            <a:endParaRPr lang="en-US" dirty="0"/>
-          </a:p>
-          <a:p>
-            <a:r>
-              <a:rPr lang="en-US" dirty="0" err="1"/>
-              <a:t>TalkTalk</a:t>
-            </a:r>
-            <a:r>
-              <a:rPr lang="en-US" dirty="0"/>
-              <a:t> gets record £400K fine for failing to prevent October 2015 attack</a:t>
-            </a:r>
-          </a:p>
-          <a:p>
-            <a:pPr marL="457177" lvl="1" indent="0">
-              <a:buNone/>
-            </a:pPr>
-            <a:r>
-              <a:rPr lang="en-US" dirty="0">
-                <a:hlinkClick r:id="rId5"/>
-              </a:rPr>
-              <a:t>https://ico.org.uk/about-the-ico/news-and-events/news-and-blogs/2016/10/talktalk-gets-record-400-000-fine-for-failing-to-prevent-october-2015-attack/</a:t>
+              <a:t>https://thenextweb.com/insider/2016/03/27/last-name-null-is-tough-for-computers/</a:t>
             </a:r>
             <a:endParaRPr lang="en-US" dirty="0"/>
           </a:p>
@@ -7419,7 +7759,7 @@
     </p:spTree>
     <p:extLst>
       <p:ext uri="{BB962C8B-B14F-4D97-AF65-F5344CB8AC3E}">
-        <p14:creationId xmlns:p14="http://schemas.microsoft.com/office/powerpoint/2010/main" val="2654527223"/>
+        <p14:creationId xmlns:p14="http://schemas.microsoft.com/office/powerpoint/2010/main" val="3105953822"/>
       </p:ext>
     </p:extLst>
   </p:cSld>

--- a/oreilly_intermediate_sql_for_data_analysis.pptx
+++ b/oreilly_intermediate_sql_for_data_analysis.pptx
@@ -214,7 +214,7 @@
           <a:p>
             <a:fld id="{D68E09DD-A271-4E46-9B09-7316EE422583}" type="datetimeFigureOut">
               <a:rPr lang="en-US"/>
-              <a:t>2/25/2020</a:t>
+              <a:t>4/12/2021</a:t>
             </a:fld>
             <a:endParaRPr lang="en-US"/>
           </a:p>
@@ -1547,7 +1547,7 @@
           <a:p>
             <a:fld id="{4BDF68E2-58F2-4D09-BE8B-E3BD06533059}" type="datetimeFigureOut">
               <a:rPr lang="en-US" dirty="0"/>
-              <a:t>2/25/2020</a:t>
+              <a:t>4/12/2021</a:t>
             </a:fld>
             <a:endParaRPr lang="en-US" dirty="0"/>
           </a:p>
@@ -1750,7 +1750,7 @@
           <a:p>
             <a:fld id="{2E2D6473-DF6D-4702-B328-E0DD40540A4E}" type="datetimeFigureOut">
               <a:rPr lang="en-US" dirty="0"/>
-              <a:t>2/25/2020</a:t>
+              <a:t>4/12/2021</a:t>
             </a:fld>
             <a:endParaRPr lang="en-US" dirty="0"/>
           </a:p>
@@ -2001,7 +2001,7 @@
           <a:p>
             <a:fld id="{E26F7E3A-B166-407D-9866-32884E7D5B37}" type="datetimeFigureOut">
               <a:rPr lang="en-US" dirty="0"/>
-              <a:t>2/25/2020</a:t>
+              <a:t>4/12/2021</a:t>
             </a:fld>
             <a:endParaRPr lang="en-US" dirty="0"/>
           </a:p>
@@ -2515,7 +2515,7 @@
           <a:p>
             <a:fld id="{528FC5F6-F338-4AE4-BB23-26385BCFC423}" type="datetimeFigureOut">
               <a:rPr lang="en-US" dirty="0"/>
-              <a:t>2/25/2020</a:t>
+              <a:t>4/12/2021</a:t>
             </a:fld>
             <a:endParaRPr lang="en-US" dirty="0"/>
           </a:p>
@@ -2853,7 +2853,7 @@
           <a:p>
             <a:fld id="{20EBB0C4-6273-4C6E-B9BD-2EDC30F1CD52}" type="datetimeFigureOut">
               <a:rPr lang="en-US" dirty="0"/>
-              <a:t>2/25/2020</a:t>
+              <a:t>4/12/2021</a:t>
             </a:fld>
             <a:endParaRPr lang="en-US" dirty="0"/>
           </a:p>
@@ -3123,7 +3123,7 @@
           <a:p>
             <a:fld id="{19AB4D41-86C1-4908-B66A-0B50CEB3BF29}" type="datetimeFigureOut">
               <a:rPr lang="en-US" dirty="0"/>
-              <a:t>2/25/2020</a:t>
+              <a:t>4/12/2021</a:t>
             </a:fld>
             <a:endParaRPr lang="en-US" dirty="0"/>
           </a:p>
@@ -3497,7 +3497,7 @@
           <a:p>
             <a:fld id="{E6426E2C-56C1-4E0D-A793-0088A7FDD37E}" type="datetimeFigureOut">
               <a:rPr lang="en-US" dirty="0"/>
-              <a:t>2/25/2020</a:t>
+              <a:t>4/12/2021</a:t>
             </a:fld>
             <a:endParaRPr lang="en-US" dirty="0"/>
           </a:p>
@@ -3610,7 +3610,7 @@
           <a:p>
             <a:fld id="{C8C39B41-D8B5-4052-B551-9B5525EAA8B6}" type="datetimeFigureOut">
               <a:rPr lang="en-US" dirty="0"/>
-              <a:t>2/25/2020</a:t>
+              <a:t>4/12/2021</a:t>
             </a:fld>
             <a:endParaRPr lang="en-US" dirty="0"/>
           </a:p>
@@ -3776,7 +3776,7 @@
           <a:p>
             <a:fld id="{4D94136C-8742-45B2-AF27-D93DF72833A9}" type="datetimeFigureOut">
               <a:rPr lang="en-US" dirty="0"/>
-              <a:t>2/25/2020</a:t>
+              <a:t>4/12/2021</a:t>
             </a:fld>
             <a:endParaRPr lang="en-US" dirty="0"/>
           </a:p>
@@ -4126,7 +4126,7 @@
           <a:p>
             <a:fld id="{32ABBEA6-7C60-4B02-AE87-00D78D8422AF}" type="datetimeFigureOut">
               <a:rPr lang="en-US" dirty="0"/>
-              <a:t>2/25/2020</a:t>
+              <a:t>4/12/2021</a:t>
             </a:fld>
             <a:endParaRPr lang="en-US" dirty="0"/>
           </a:p>
@@ -4501,7 +4501,7 @@
           <a:p>
             <a:fld id="{C9CAD897-D46E-4AD2-BD9B-49DD3E640873}" type="datetimeFigureOut">
               <a:rPr lang="en-US" dirty="0"/>
-              <a:t>2/25/2020</a:t>
+              <a:t>4/12/2021</a:t>
             </a:fld>
             <a:endParaRPr lang="en-US" dirty="0"/>
           </a:p>
@@ -4783,7 +4783,7 @@
           <a:p>
             <a:fld id="{98624D31-43A5-475A-80CF-332C9F6DCF35}" type="datetimeFigureOut">
               <a:rPr lang="en-US" dirty="0"/>
-              <a:t>2/25/2020</a:t>
+              <a:t>4/12/2021</a:t>
             </a:fld>
             <a:endParaRPr lang="en-US" dirty="0"/>
           </a:p>
@@ -8844,7 +8844,7 @@
             </a:pPr>
             <a:r>
               <a:rPr lang="en-US" dirty="0"/>
-              <a:t>Find all customers with an address ending in "Blvd" or "St"</a:t>
+              <a:t>Find all customers with an address containing a 3-4 digit street number</a:t>
             </a:r>
           </a:p>
           <a:p>

--- a/oreilly_intermediate_sql_for_data_analysis.pptx
+++ b/oreilly_intermediate_sql_for_data_analysis.pptx
@@ -5,27 +5,20 @@
     <p:sldMasterId id="2147483648" r:id="rId1"/>
   </p:sldMasterIdLst>
   <p:notesMasterIdLst>
-    <p:notesMasterId r:id="rId20"/>
+    <p:notesMasterId r:id="rId13"/>
   </p:notesMasterIdLst>
   <p:sldIdLst>
     <p:sldId id="256" r:id="rId2"/>
     <p:sldId id="257" r:id="rId3"/>
-    <p:sldId id="258" r:id="rId4"/>
-    <p:sldId id="259" r:id="rId5"/>
-    <p:sldId id="260" r:id="rId6"/>
-    <p:sldId id="263" r:id="rId7"/>
-    <p:sldId id="264" r:id="rId8"/>
-    <p:sldId id="271" r:id="rId9"/>
-    <p:sldId id="272" r:id="rId10"/>
-    <p:sldId id="265" r:id="rId11"/>
-    <p:sldId id="266" r:id="rId12"/>
-    <p:sldId id="261" r:id="rId13"/>
-    <p:sldId id="262" r:id="rId14"/>
-    <p:sldId id="267" r:id="rId15"/>
-    <p:sldId id="268" r:id="rId16"/>
-    <p:sldId id="269" r:id="rId17"/>
-    <p:sldId id="351" r:id="rId18"/>
-    <p:sldId id="273" r:id="rId19"/>
+    <p:sldId id="259" r:id="rId4"/>
+    <p:sldId id="260" r:id="rId5"/>
+    <p:sldId id="263" r:id="rId6"/>
+    <p:sldId id="264" r:id="rId7"/>
+    <p:sldId id="271" r:id="rId8"/>
+    <p:sldId id="272" r:id="rId9"/>
+    <p:sldId id="265" r:id="rId10"/>
+    <p:sldId id="266" r:id="rId11"/>
+    <p:sldId id="261" r:id="rId12"/>
   </p:sldIdLst>
   <p:sldSz cx="12192000" cy="6858000"/>
   <p:notesSz cx="6858000" cy="9144000"/>
@@ -214,7 +207,7 @@
           <a:p>
             <a:fld id="{D68E09DD-A271-4E46-9B09-7316EE422583}" type="datetimeFigureOut">
               <a:rPr lang="en-US"/>
-              <a:t>4/12/2021</a:t>
+              <a:t>10/4/2021</a:t>
             </a:fld>
             <a:endParaRPr lang="en-US"/>
           </a:p>
@@ -565,90 +558,6 @@
 </p:notes>
 </file>
 
-<file path=ppt/notesSlides/notesSlide10.xml><?xml version="1.0" encoding="utf-8"?>
-<p:notes xmlns:a="http://schemas.openxmlformats.org/drawingml/2006/main" xmlns:r="http://schemas.openxmlformats.org/officeDocument/2006/relationships" xmlns:p="http://schemas.openxmlformats.org/presentationml/2006/main">
-  <p:cSld>
-    <p:spTree>
-      <p:nvGrpSpPr>
-        <p:cNvPr id="1" name=""/>
-        <p:cNvGrpSpPr/>
-        <p:nvPr/>
-      </p:nvGrpSpPr>
-      <p:grpSpPr>
-        <a:xfrm>
-          <a:off x="0" y="0"/>
-          <a:ext cx="0" cy="0"/>
-          <a:chOff x="0" y="0"/>
-          <a:chExt cx="0" cy="0"/>
-        </a:xfrm>
-      </p:grpSpPr>
-      <p:sp>
-        <p:nvSpPr>
-          <p:cNvPr id="2" name="Slide Image Placeholder 1"/>
-          <p:cNvSpPr>
-            <a:spLocks noGrp="1" noRot="1" noChangeAspect="1"/>
-          </p:cNvSpPr>
-          <p:nvPr>
-            <p:ph type="sldImg"/>
-          </p:nvPr>
-        </p:nvSpPr>
-        <p:spPr/>
-      </p:sp>
-      <p:sp>
-        <p:nvSpPr>
-          <p:cNvPr id="3" name="Notes Placeholder 2"/>
-          <p:cNvSpPr>
-            <a:spLocks noGrp="1"/>
-          </p:cNvSpPr>
-          <p:nvPr>
-            <p:ph type="body" idx="1"/>
-          </p:nvPr>
-        </p:nvSpPr>
-        <p:spPr/>
-        <p:txBody>
-          <a:bodyPr/>
-          <a:lstStyle/>
-          <a:p>
-            <a:endParaRPr lang="en-US"/>
-          </a:p>
-        </p:txBody>
-      </p:sp>
-      <p:sp>
-        <p:nvSpPr>
-          <p:cNvPr id="4" name="Slide Number Placeholder 3"/>
-          <p:cNvSpPr>
-            <a:spLocks noGrp="1"/>
-          </p:cNvSpPr>
-          <p:nvPr>
-            <p:ph type="sldNum" sz="quarter" idx="10"/>
-          </p:nvPr>
-        </p:nvSpPr>
-        <p:spPr/>
-        <p:txBody>
-          <a:bodyPr/>
-          <a:lstStyle/>
-          <a:p>
-            <a:fld id="{875C1EAC-EC95-40C2-8C11-3A25F20A67F3}" type="slidenum">
-              <a:rPr lang="en-US"/>
-              <a:t>13</a:t>
-            </a:fld>
-            <a:endParaRPr lang="en-US"/>
-          </a:p>
-        </p:txBody>
-      </p:sp>
-    </p:spTree>
-    <p:extLst>
-      <p:ext uri="{BB962C8B-B14F-4D97-AF65-F5344CB8AC3E}">
-        <p14:creationId xmlns:p14="http://schemas.microsoft.com/office/powerpoint/2010/main" val="1938021721"/>
-      </p:ext>
-    </p:extLst>
-  </p:cSld>
-  <p:clrMapOvr>
-    <a:masterClrMapping/>
-  </p:clrMapOvr>
-</p:notes>
-</file>
-
 <file path=ppt/notesSlides/notesSlide2.xml><?xml version="1.0" encoding="utf-8"?>
 <p:notes xmlns:a="http://schemas.openxmlformats.org/drawingml/2006/main" xmlns:r="http://schemas.openxmlformats.org/officeDocument/2006/relationships" xmlns:p="http://schemas.openxmlformats.org/presentationml/2006/main">
   <p:cSld>
@@ -723,7 +632,7 @@
     </p:spTree>
     <p:extLst>
       <p:ext uri="{BB962C8B-B14F-4D97-AF65-F5344CB8AC3E}">
-        <p14:creationId xmlns:p14="http://schemas.microsoft.com/office/powerpoint/2010/main" val="3776607629"/>
+        <p14:creationId xmlns:p14="http://schemas.microsoft.com/office/powerpoint/2010/main" val="1967377164"/>
       </p:ext>
     </p:extLst>
   </p:cSld>
@@ -807,7 +716,7 @@
     </p:spTree>
     <p:extLst>
       <p:ext uri="{BB962C8B-B14F-4D97-AF65-F5344CB8AC3E}">
-        <p14:creationId xmlns:p14="http://schemas.microsoft.com/office/powerpoint/2010/main" val="1967377164"/>
+        <p14:creationId xmlns:p14="http://schemas.microsoft.com/office/powerpoint/2010/main" val="2278367275"/>
       </p:ext>
     </p:extLst>
   </p:cSld>
@@ -891,7 +800,7 @@
     </p:spTree>
     <p:extLst>
       <p:ext uri="{BB962C8B-B14F-4D97-AF65-F5344CB8AC3E}">
-        <p14:creationId xmlns:p14="http://schemas.microsoft.com/office/powerpoint/2010/main" val="2278367275"/>
+        <p14:creationId xmlns:p14="http://schemas.microsoft.com/office/powerpoint/2010/main" val="1771915572"/>
       </p:ext>
     </p:extLst>
   </p:cSld>
@@ -975,7 +884,7 @@
     </p:spTree>
     <p:extLst>
       <p:ext uri="{BB962C8B-B14F-4D97-AF65-F5344CB8AC3E}">
-        <p14:creationId xmlns:p14="http://schemas.microsoft.com/office/powerpoint/2010/main" val="1771915572"/>
+        <p14:creationId xmlns:p14="http://schemas.microsoft.com/office/powerpoint/2010/main" val="2007385577"/>
       </p:ext>
     </p:extLst>
   </p:cSld>
@@ -1050,7 +959,7 @@
           <a:p>
             <a:fld id="{875C1EAC-EC95-40C2-8C11-3A25F20A67F3}" type="slidenum">
               <a:rPr lang="en-US"/>
-              <a:t>7</a:t>
+              <a:t>9</a:t>
             </a:fld>
             <a:endParaRPr lang="en-US"/>
           </a:p>
@@ -1059,7 +968,7 @@
     </p:spTree>
     <p:extLst>
       <p:ext uri="{BB962C8B-B14F-4D97-AF65-F5344CB8AC3E}">
-        <p14:creationId xmlns:p14="http://schemas.microsoft.com/office/powerpoint/2010/main" val="2007385577"/>
+        <p14:creationId xmlns:p14="http://schemas.microsoft.com/office/powerpoint/2010/main" val="3130476711"/>
       </p:ext>
     </p:extLst>
   </p:cSld>
@@ -1143,7 +1052,7 @@
     </p:spTree>
     <p:extLst>
       <p:ext uri="{BB962C8B-B14F-4D97-AF65-F5344CB8AC3E}">
-        <p14:creationId xmlns:p14="http://schemas.microsoft.com/office/powerpoint/2010/main" val="3130476711"/>
+        <p14:creationId xmlns:p14="http://schemas.microsoft.com/office/powerpoint/2010/main" val="3826047422"/>
       </p:ext>
     </p:extLst>
   </p:cSld>
@@ -1219,90 +1128,6 @@
             <a:fld id="{875C1EAC-EC95-40C2-8C11-3A25F20A67F3}" type="slidenum">
               <a:rPr lang="en-US"/>
               <a:t>11</a:t>
-            </a:fld>
-            <a:endParaRPr lang="en-US"/>
-          </a:p>
-        </p:txBody>
-      </p:sp>
-    </p:spTree>
-    <p:extLst>
-      <p:ext uri="{BB962C8B-B14F-4D97-AF65-F5344CB8AC3E}">
-        <p14:creationId xmlns:p14="http://schemas.microsoft.com/office/powerpoint/2010/main" val="3826047422"/>
-      </p:ext>
-    </p:extLst>
-  </p:cSld>
-  <p:clrMapOvr>
-    <a:masterClrMapping/>
-  </p:clrMapOvr>
-</p:notes>
-</file>
-
-<file path=ppt/notesSlides/notesSlide9.xml><?xml version="1.0" encoding="utf-8"?>
-<p:notes xmlns:a="http://schemas.openxmlformats.org/drawingml/2006/main" xmlns:r="http://schemas.openxmlformats.org/officeDocument/2006/relationships" xmlns:p="http://schemas.openxmlformats.org/presentationml/2006/main">
-  <p:cSld>
-    <p:spTree>
-      <p:nvGrpSpPr>
-        <p:cNvPr id="1" name=""/>
-        <p:cNvGrpSpPr/>
-        <p:nvPr/>
-      </p:nvGrpSpPr>
-      <p:grpSpPr>
-        <a:xfrm>
-          <a:off x="0" y="0"/>
-          <a:ext cx="0" cy="0"/>
-          <a:chOff x="0" y="0"/>
-          <a:chExt cx="0" cy="0"/>
-        </a:xfrm>
-      </p:grpSpPr>
-      <p:sp>
-        <p:nvSpPr>
-          <p:cNvPr id="2" name="Slide Image Placeholder 1"/>
-          <p:cNvSpPr>
-            <a:spLocks noGrp="1" noRot="1" noChangeAspect="1"/>
-          </p:cNvSpPr>
-          <p:nvPr>
-            <p:ph type="sldImg"/>
-          </p:nvPr>
-        </p:nvSpPr>
-        <p:spPr/>
-      </p:sp>
-      <p:sp>
-        <p:nvSpPr>
-          <p:cNvPr id="3" name="Notes Placeholder 2"/>
-          <p:cNvSpPr>
-            <a:spLocks noGrp="1"/>
-          </p:cNvSpPr>
-          <p:nvPr>
-            <p:ph type="body" idx="1"/>
-          </p:nvPr>
-        </p:nvSpPr>
-        <p:spPr/>
-        <p:txBody>
-          <a:bodyPr/>
-          <a:lstStyle/>
-          <a:p>
-            <a:endParaRPr lang="en-US"/>
-          </a:p>
-        </p:txBody>
-      </p:sp>
-      <p:sp>
-        <p:nvSpPr>
-          <p:cNvPr id="4" name="Slide Number Placeholder 3"/>
-          <p:cNvSpPr>
-            <a:spLocks noGrp="1"/>
-          </p:cNvSpPr>
-          <p:nvPr>
-            <p:ph type="sldNum" sz="quarter" idx="10"/>
-          </p:nvPr>
-        </p:nvSpPr>
-        <p:spPr/>
-        <p:txBody>
-          <a:bodyPr/>
-          <a:lstStyle/>
-          <a:p>
-            <a:fld id="{875C1EAC-EC95-40C2-8C11-3A25F20A67F3}" type="slidenum">
-              <a:rPr lang="en-US"/>
-              <a:t>12</a:t>
             </a:fld>
             <a:endParaRPr lang="en-US"/>
           </a:p>
@@ -1547,7 +1372,7 @@
           <a:p>
             <a:fld id="{4BDF68E2-58F2-4D09-BE8B-E3BD06533059}" type="datetimeFigureOut">
               <a:rPr lang="en-US" dirty="0"/>
-              <a:t>4/12/2021</a:t>
+              <a:t>10/4/2021</a:t>
             </a:fld>
             <a:endParaRPr lang="en-US" dirty="0"/>
           </a:p>
@@ -1750,7 +1575,7 @@
           <a:p>
             <a:fld id="{2E2D6473-DF6D-4702-B328-E0DD40540A4E}" type="datetimeFigureOut">
               <a:rPr lang="en-US" dirty="0"/>
-              <a:t>4/12/2021</a:t>
+              <a:t>10/4/2021</a:t>
             </a:fld>
             <a:endParaRPr lang="en-US" dirty="0"/>
           </a:p>
@@ -2001,7 +1826,7 @@
           <a:p>
             <a:fld id="{E26F7E3A-B166-407D-9866-32884E7D5B37}" type="datetimeFigureOut">
               <a:rPr lang="en-US" dirty="0"/>
-              <a:t>4/12/2021</a:t>
+              <a:t>10/4/2021</a:t>
             </a:fld>
             <a:endParaRPr lang="en-US" dirty="0"/>
           </a:p>
@@ -2050,351 +1875,6 @@
         </p:txBody>
       </p:sp>
     </p:spTree>
-  </p:cSld>
-  <p:clrMapOvr>
-    <a:masterClrMapping/>
-  </p:clrMapOvr>
-</p:sldLayout>
-</file>
-
-<file path=ppt/slideLayouts/slideLayout12.xml><?xml version="1.0" encoding="utf-8"?>
-<p:sldLayout xmlns:a="http://schemas.openxmlformats.org/drawingml/2006/main" xmlns:r="http://schemas.openxmlformats.org/officeDocument/2006/relationships" xmlns:p="http://schemas.openxmlformats.org/presentationml/2006/main" userDrawn="1">
-  <p:cSld name="1_Title and Content">
-    <p:spTree>
-      <p:nvGrpSpPr>
-        <p:cNvPr id="1" name=""/>
-        <p:cNvGrpSpPr/>
-        <p:nvPr/>
-      </p:nvGrpSpPr>
-      <p:grpSpPr>
-        <a:xfrm>
-          <a:off x="0" y="0"/>
-          <a:ext cx="0" cy="0"/>
-          <a:chOff x="0" y="0"/>
-          <a:chExt cx="0" cy="0"/>
-        </a:xfrm>
-      </p:grpSpPr>
-      <p:sp>
-        <p:nvSpPr>
-          <p:cNvPr id="9" name="Rectangle 8"/>
-          <p:cNvSpPr/>
-          <p:nvPr userDrawn="1"/>
-        </p:nvSpPr>
-        <p:spPr>
-          <a:xfrm>
-            <a:off x="256034" y="265177"/>
-            <a:ext cx="11683049" cy="6332433"/>
-          </a:xfrm>
-          <a:prstGeom prst="rect">
-            <a:avLst/>
-          </a:prstGeom>
-          <a:solidFill>
-            <a:srgbClr val="F5F5F5"/>
-          </a:solidFill>
-          <a:ln>
-            <a:noFill/>
-          </a:ln>
-        </p:spPr>
-        <p:style>
-          <a:lnRef idx="2">
-            <a:schemeClr val="accent1">
-              <a:shade val="50000"/>
-            </a:schemeClr>
-          </a:lnRef>
-          <a:fillRef idx="1">
-            <a:schemeClr val="accent1"/>
-          </a:fillRef>
-          <a:effectRef idx="0">
-            <a:schemeClr val="accent1"/>
-          </a:effectRef>
-          <a:fontRef idx="minor">
-            <a:schemeClr val="lt1"/>
-          </a:fontRef>
-        </p:style>
-        <p:txBody>
-          <a:bodyPr rtlCol="0" anchor="b" anchorCtr="0"/>
-          <a:lstStyle/>
-          <a:p>
-            <a:pPr algn="ctr"/>
-            <a:endParaRPr lang="en-US" sz="1800" dirty="0"/>
-          </a:p>
-        </p:txBody>
-      </p:sp>
-      <p:cxnSp>
-        <p:nvCxnSpPr>
-          <p:cNvPr id="12" name="Straight Connector 11"/>
-          <p:cNvCxnSpPr/>
-          <p:nvPr userDrawn="1"/>
-        </p:nvCxnSpPr>
-        <p:spPr>
-          <a:xfrm>
-            <a:off x="604435" y="1196392"/>
-            <a:ext cx="10983132" cy="0"/>
-          </a:xfrm>
-          <a:prstGeom prst="line">
-            <a:avLst/>
-          </a:prstGeom>
-          <a:ln w="25400">
-            <a:solidFill>
-              <a:srgbClr val="D24726"/>
-            </a:solidFill>
-          </a:ln>
-        </p:spPr>
-        <p:style>
-          <a:lnRef idx="1">
-            <a:schemeClr val="accent1"/>
-          </a:lnRef>
-          <a:fillRef idx="0">
-            <a:schemeClr val="accent1"/>
-          </a:fillRef>
-          <a:effectRef idx="0">
-            <a:schemeClr val="accent1"/>
-          </a:effectRef>
-          <a:fontRef idx="minor">
-            <a:schemeClr val="tx1"/>
-          </a:fontRef>
-        </p:style>
-      </p:cxnSp>
-      <p:sp>
-        <p:nvSpPr>
-          <p:cNvPr id="14" name="Content Placeholder 3"/>
-          <p:cNvSpPr>
-            <a:spLocks noGrp="1"/>
-          </p:cNvSpPr>
-          <p:nvPr>
-            <p:ph sz="half" idx="2" hasCustomPrompt="1"/>
-          </p:nvPr>
-        </p:nvSpPr>
-        <p:spPr>
-          <a:xfrm>
-            <a:off x="541612" y="1431014"/>
-            <a:ext cx="4413627" cy="3978275"/>
-          </a:xfrm>
-        </p:spPr>
-        <p:txBody>
-          <a:bodyPr vert="horz" lIns="91440" tIns="45720" rIns="91440" bIns="45720" rtlCol="0">
-            <a:normAutofit/>
-          </a:bodyPr>
-          <a:lstStyle>
-            <a:lvl1pPr>
-              <a:lnSpc>
-                <a:spcPts val="1800"/>
-              </a:lnSpc>
-              <a:spcBef>
-                <a:spcPts val="1000"/>
-              </a:spcBef>
-              <a:spcAft>
-                <a:spcPts val="1000"/>
-              </a:spcAft>
-              <a:defRPr lang="en-US" sz="1800" smtClean="0">
-                <a:solidFill>
-                  <a:schemeClr val="tx1">
-                    <a:lumMod val="75000"/>
-                    <a:lumOff val="25000"/>
-                  </a:schemeClr>
-                </a:solidFill>
-              </a:defRPr>
-            </a:lvl1pPr>
-            <a:lvl2pPr>
-              <a:lnSpc>
-                <a:spcPts val="1800"/>
-              </a:lnSpc>
-              <a:spcBef>
-                <a:spcPts val="1000"/>
-              </a:spcBef>
-              <a:spcAft>
-                <a:spcPts val="1000"/>
-              </a:spcAft>
-              <a:defRPr lang="en-US" sz="1200" smtClean="0">
-                <a:solidFill>
-                  <a:schemeClr val="tx1">
-                    <a:lumMod val="75000"/>
-                    <a:lumOff val="25000"/>
-                  </a:schemeClr>
-                </a:solidFill>
-              </a:defRPr>
-            </a:lvl2pPr>
-            <a:lvl3pPr>
-              <a:lnSpc>
-                <a:spcPts val="1800"/>
-              </a:lnSpc>
-              <a:spcBef>
-                <a:spcPts val="1000"/>
-              </a:spcBef>
-              <a:spcAft>
-                <a:spcPts val="1000"/>
-              </a:spcAft>
-              <a:defRPr lang="en-US" sz="1200" smtClean="0">
-                <a:solidFill>
-                  <a:schemeClr val="tx1">
-                    <a:lumMod val="75000"/>
-                    <a:lumOff val="25000"/>
-                  </a:schemeClr>
-                </a:solidFill>
-              </a:defRPr>
-            </a:lvl3pPr>
-            <a:lvl4pPr>
-              <a:lnSpc>
-                <a:spcPts val="1800"/>
-              </a:lnSpc>
-              <a:spcBef>
-                <a:spcPts val="1000"/>
-              </a:spcBef>
-              <a:spcAft>
-                <a:spcPts val="1000"/>
-              </a:spcAft>
-              <a:defRPr lang="en-US" sz="1200" smtClean="0">
-                <a:solidFill>
-                  <a:schemeClr val="tx1">
-                    <a:lumMod val="75000"/>
-                    <a:lumOff val="25000"/>
-                  </a:schemeClr>
-                </a:solidFill>
-              </a:defRPr>
-            </a:lvl4pPr>
-            <a:lvl5pPr>
-              <a:lnSpc>
-                <a:spcPts val="1800"/>
-              </a:lnSpc>
-              <a:spcBef>
-                <a:spcPts val="1000"/>
-              </a:spcBef>
-              <a:spcAft>
-                <a:spcPts val="1000"/>
-              </a:spcAft>
-              <a:defRPr lang="en-US" sz="1200">
-                <a:solidFill>
-                  <a:schemeClr val="tx1">
-                    <a:lumMod val="75000"/>
-                    <a:lumOff val="25000"/>
-                  </a:schemeClr>
-                </a:solidFill>
-              </a:defRPr>
-            </a:lvl5pPr>
-          </a:lstStyle>
-          <a:p>
-            <a:pPr marL="0" lvl="0" indent="0">
-              <a:lnSpc>
-                <a:spcPct val="150000"/>
-              </a:lnSpc>
-              <a:spcAft>
-                <a:spcPts val="1200"/>
-              </a:spcAft>
-              <a:buNone/>
-            </a:pPr>
-            <a:r>
-              <a:rPr lang="en-US" dirty="0"/>
-              <a:t>Click to edit Master text styles</a:t>
-            </a:r>
-          </a:p>
-          <a:p>
-            <a:pPr marL="0" lvl="1" indent="0">
-              <a:lnSpc>
-                <a:spcPct val="150000"/>
-              </a:lnSpc>
-              <a:spcAft>
-                <a:spcPts val="1200"/>
-              </a:spcAft>
-              <a:buNone/>
-            </a:pPr>
-            <a:r>
-              <a:rPr lang="en-US" dirty="0"/>
-              <a:t>Second level</a:t>
-            </a:r>
-          </a:p>
-          <a:p>
-            <a:pPr marL="0" lvl="2" indent="0">
-              <a:lnSpc>
-                <a:spcPct val="150000"/>
-              </a:lnSpc>
-              <a:spcAft>
-                <a:spcPts val="1200"/>
-              </a:spcAft>
-              <a:buNone/>
-            </a:pPr>
-            <a:r>
-              <a:rPr lang="en-US" dirty="0"/>
-              <a:t>Third level</a:t>
-            </a:r>
-          </a:p>
-          <a:p>
-            <a:pPr marL="0" lvl="3" indent="0">
-              <a:lnSpc>
-                <a:spcPct val="150000"/>
-              </a:lnSpc>
-              <a:spcAft>
-                <a:spcPts val="1200"/>
-              </a:spcAft>
-              <a:buNone/>
-            </a:pPr>
-            <a:r>
-              <a:rPr lang="en-US" dirty="0"/>
-              <a:t>Fourth level</a:t>
-            </a:r>
-          </a:p>
-          <a:p>
-            <a:pPr marL="0" lvl="4" indent="0">
-              <a:lnSpc>
-                <a:spcPct val="150000"/>
-              </a:lnSpc>
-              <a:spcAft>
-                <a:spcPts val="1200"/>
-              </a:spcAft>
-              <a:buNone/>
-            </a:pPr>
-            <a:r>
-              <a:rPr lang="en-US" dirty="0"/>
-              <a:t>Fifth level</a:t>
-            </a:r>
-          </a:p>
-        </p:txBody>
-      </p:sp>
-      <p:sp>
-        <p:nvSpPr>
-          <p:cNvPr id="4" name="Title 3"/>
-          <p:cNvSpPr>
-            <a:spLocks noGrp="1"/>
-          </p:cNvSpPr>
-          <p:nvPr>
-            <p:ph type="title"/>
-          </p:nvPr>
-        </p:nvSpPr>
-        <p:spPr>
-          <a:xfrm>
-            <a:off x="521208" y="448056"/>
-            <a:ext cx="6117336" cy="640080"/>
-          </a:xfrm>
-        </p:spPr>
-        <p:txBody>
-          <a:bodyPr anchor="b" anchorCtr="0">
-            <a:normAutofit/>
-          </a:bodyPr>
-          <a:lstStyle>
-            <a:lvl1pPr>
-              <a:defRPr sz="2800">
-                <a:solidFill>
-                  <a:schemeClr val="bg2">
-                    <a:lumMod val="25000"/>
-                  </a:schemeClr>
-                </a:solidFill>
-              </a:defRPr>
-            </a:lvl1pPr>
-          </a:lstStyle>
-          <a:p>
-            <a:r>
-              <a:rPr lang="en-US"/>
-              <a:t>Click to edit Master title style</a:t>
-            </a:r>
-            <a:endParaRPr lang="en-US" dirty="0"/>
-          </a:p>
-        </p:txBody>
-      </p:sp>
-    </p:spTree>
-    <p:extLst>
-      <p:ext uri="{BB962C8B-B14F-4D97-AF65-F5344CB8AC3E}">
-        <p14:creationId xmlns:p14="http://schemas.microsoft.com/office/powerpoint/2010/main" val="2390155955"/>
-      </p:ext>
-    </p:extLst>
   </p:cSld>
   <p:clrMapOvr>
     <a:masterClrMapping/>
@@ -2515,7 +1995,7 @@
           <a:p>
             <a:fld id="{528FC5F6-F338-4AE4-BB23-26385BCFC423}" type="datetimeFigureOut">
               <a:rPr lang="en-US" dirty="0"/>
-              <a:t>4/12/2021</a:t>
+              <a:t>10/4/2021</a:t>
             </a:fld>
             <a:endParaRPr lang="en-US" dirty="0"/>
           </a:p>
@@ -2853,7 +2333,7 @@
           <a:p>
             <a:fld id="{20EBB0C4-6273-4C6E-B9BD-2EDC30F1CD52}" type="datetimeFigureOut">
               <a:rPr lang="en-US" dirty="0"/>
-              <a:t>4/12/2021</a:t>
+              <a:t>10/4/2021</a:t>
             </a:fld>
             <a:endParaRPr lang="en-US" dirty="0"/>
           </a:p>
@@ -3123,7 +2603,7 @@
           <a:p>
             <a:fld id="{19AB4D41-86C1-4908-B66A-0B50CEB3BF29}" type="datetimeFigureOut">
               <a:rPr lang="en-US" dirty="0"/>
-              <a:t>4/12/2021</a:t>
+              <a:t>10/4/2021</a:t>
             </a:fld>
             <a:endParaRPr lang="en-US" dirty="0"/>
           </a:p>
@@ -3497,7 +2977,7 @@
           <a:p>
             <a:fld id="{E6426E2C-56C1-4E0D-A793-0088A7FDD37E}" type="datetimeFigureOut">
               <a:rPr lang="en-US" dirty="0"/>
-              <a:t>4/12/2021</a:t>
+              <a:t>10/4/2021</a:t>
             </a:fld>
             <a:endParaRPr lang="en-US" dirty="0"/>
           </a:p>
@@ -3610,7 +3090,7 @@
           <a:p>
             <a:fld id="{C8C39B41-D8B5-4052-B551-9B5525EAA8B6}" type="datetimeFigureOut">
               <a:rPr lang="en-US" dirty="0"/>
-              <a:t>4/12/2021</a:t>
+              <a:t>10/4/2021</a:t>
             </a:fld>
             <a:endParaRPr lang="en-US" dirty="0"/>
           </a:p>
@@ -3776,7 +3256,7 @@
           <a:p>
             <a:fld id="{4D94136C-8742-45B2-AF27-D93DF72833A9}" type="datetimeFigureOut">
               <a:rPr lang="en-US" dirty="0"/>
-              <a:t>4/12/2021</a:t>
+              <a:t>10/4/2021</a:t>
             </a:fld>
             <a:endParaRPr lang="en-US" dirty="0"/>
           </a:p>
@@ -4126,7 +3606,7 @@
           <a:p>
             <a:fld id="{32ABBEA6-7C60-4B02-AE87-00D78D8422AF}" type="datetimeFigureOut">
               <a:rPr lang="en-US" dirty="0"/>
-              <a:t>4/12/2021</a:t>
+              <a:t>10/4/2021</a:t>
             </a:fld>
             <a:endParaRPr lang="en-US" dirty="0"/>
           </a:p>
@@ -4501,7 +3981,7 @@
           <a:p>
             <a:fld id="{C9CAD897-D46E-4AD2-BD9B-49DD3E640873}" type="datetimeFigureOut">
               <a:rPr lang="en-US" dirty="0"/>
-              <a:t>4/12/2021</a:t>
+              <a:t>10/4/2021</a:t>
             </a:fld>
             <a:endParaRPr lang="en-US" dirty="0"/>
           </a:p>
@@ -4783,7 +4263,7 @@
           <a:p>
             <a:fld id="{98624D31-43A5-475A-80CF-332C9F6DCF35}" type="datetimeFigureOut">
               <a:rPr lang="en-US" dirty="0"/>
-              <a:t>4/12/2021</a:t>
+              <a:t>10/4/2021</a:t>
             </a:fld>
             <a:endParaRPr lang="en-US" dirty="0"/>
           </a:p>
@@ -4917,7 +4397,6 @@
     <p:sldLayoutId id="2147483657" r:id="rId9"/>
     <p:sldLayoutId id="2147483658" r:id="rId10"/>
     <p:sldLayoutId id="2147483659" r:id="rId11"/>
-    <p:sldLayoutId id="2147483661" r:id="rId12"/>
   </p:sldLayoutIdLst>
   <p:hf sldNum="0" hdr="0" ftr="0" dt="0"/>
   <p:txStyles>
@@ -5424,85 +4903,6 @@
           <a:p>
             <a:r>
               <a:rPr lang="en-US" dirty="0"/>
-              <a:t>Section VI Exercise</a:t>
-            </a:r>
-          </a:p>
-        </p:txBody>
-      </p:sp>
-      <p:sp>
-        <p:nvSpPr>
-          <p:cNvPr id="3" name="Content Placeholder 2"/>
-          <p:cNvSpPr>
-            <a:spLocks noGrp="1"/>
-          </p:cNvSpPr>
-          <p:nvPr>
-            <p:ph idx="1"/>
-          </p:nvPr>
-        </p:nvSpPr>
-        <p:spPr/>
-        <p:txBody>
-          <a:bodyPr vert="horz" lIns="0" tIns="45720" rIns="0" bIns="45720" rtlCol="0" anchor="t">
-            <a:normAutofit/>
-          </a:bodyPr>
-          <a:lstStyle/>
-          <a:p>
-            <a:r>
-              <a:rPr lang="en-US" dirty="0"/>
-              <a:t>For every CALENDAR_DATE and CUSTOMER_ID, show the total QUANTITY ordered for the date range of 2017-01-01 to 2017-03-31:</a:t>
-            </a:r>
-          </a:p>
-          <a:p>
-            <a:endParaRPr lang="en-US" dirty="0"/>
-          </a:p>
-        </p:txBody>
-      </p:sp>
-    </p:spTree>
-    <p:extLst>
-      <p:ext uri="{BB962C8B-B14F-4D97-AF65-F5344CB8AC3E}">
-        <p14:creationId xmlns:p14="http://schemas.microsoft.com/office/powerpoint/2010/main" val="3340675965"/>
-      </p:ext>
-    </p:extLst>
-  </p:cSld>
-  <p:clrMapOvr>
-    <a:masterClrMapping/>
-  </p:clrMapOvr>
-</p:sld>
-</file>
-
-<file path=ppt/slides/slide11.xml><?xml version="1.0" encoding="utf-8"?>
-<p:sld xmlns:a="http://schemas.openxmlformats.org/drawingml/2006/main" xmlns:r="http://schemas.openxmlformats.org/officeDocument/2006/relationships" xmlns:p="http://schemas.openxmlformats.org/presentationml/2006/main">
-  <p:cSld>
-    <p:spTree>
-      <p:nvGrpSpPr>
-        <p:cNvPr id="1" name=""/>
-        <p:cNvGrpSpPr/>
-        <p:nvPr/>
-      </p:nvGrpSpPr>
-      <p:grpSpPr>
-        <a:xfrm>
-          <a:off x="0" y="0"/>
-          <a:ext cx="0" cy="0"/>
-          <a:chOff x="0" y="0"/>
-          <a:chExt cx="0" cy="0"/>
-        </a:xfrm>
-      </p:grpSpPr>
-      <p:sp>
-        <p:nvSpPr>
-          <p:cNvPr id="2" name="Title 1"/>
-          <p:cNvSpPr>
-            <a:spLocks noGrp="1"/>
-          </p:cNvSpPr>
-          <p:nvPr>
-            <p:ph type="title"/>
-          </p:nvPr>
-        </p:nvSpPr>
-        <p:spPr/>
-        <p:txBody>
-          <a:bodyPr/>
-          <a:lstStyle/>
-          <a:p>
-            <a:r>
-              <a:rPr lang="en-US" dirty="0"/>
               <a:t>Section V Exercise</a:t>
             </a:r>
           </a:p>
@@ -5551,7 +4951,7 @@
 </p:sld>
 </file>
 
-<file path=ppt/slides/slide12.xml><?xml version="1.0" encoding="utf-8"?>
+<file path=ppt/slides/slide11.xml><?xml version="1.0" encoding="utf-8"?>
 <p:sld xmlns:a="http://schemas.openxmlformats.org/drawingml/2006/main" xmlns:r="http://schemas.openxmlformats.org/officeDocument/2006/relationships" xmlns:p="http://schemas.openxmlformats.org/presentationml/2006/main">
   <p:cSld>
     <p:spTree>
@@ -6152,1761 +5552,6 @@
 </p:sld>
 </file>
 
-<file path=ppt/slides/slide13.xml><?xml version="1.0" encoding="utf-8"?>
-<p:sld xmlns:a="http://schemas.openxmlformats.org/drawingml/2006/main" xmlns:r="http://schemas.openxmlformats.org/officeDocument/2006/relationships" xmlns:p="http://schemas.openxmlformats.org/presentationml/2006/main">
-  <p:cSld>
-    <p:spTree>
-      <p:nvGrpSpPr>
-        <p:cNvPr id="1" name=""/>
-        <p:cNvGrpSpPr/>
-        <p:nvPr/>
-      </p:nvGrpSpPr>
-      <p:grpSpPr>
-        <a:xfrm>
-          <a:off x="0" y="0"/>
-          <a:ext cx="0" cy="0"/>
-          <a:chOff x="0" y="0"/>
-          <a:chExt cx="0" cy="0"/>
-        </a:xfrm>
-      </p:grpSpPr>
-      <p:sp>
-        <p:nvSpPr>
-          <p:cNvPr id="2" name="Title 1"/>
-          <p:cNvSpPr>
-            <a:spLocks noGrp="1"/>
-          </p:cNvSpPr>
-          <p:nvPr>
-            <p:ph type="title"/>
-          </p:nvPr>
-        </p:nvSpPr>
-        <p:spPr/>
-        <p:txBody>
-          <a:bodyPr/>
-          <a:lstStyle/>
-          <a:p>
-            <a:r>
-              <a:rPr lang="en-US" dirty="0"/>
-              <a:t>Mixing Programming with SQL</a:t>
-            </a:r>
-          </a:p>
-        </p:txBody>
-      </p:sp>
-      <p:sp>
-        <p:nvSpPr>
-          <p:cNvPr id="3" name="Content Placeholder 2"/>
-          <p:cNvSpPr>
-            <a:spLocks noGrp="1"/>
-          </p:cNvSpPr>
-          <p:nvPr>
-            <p:ph idx="1"/>
-          </p:nvPr>
-        </p:nvSpPr>
-        <p:spPr/>
-        <p:txBody>
-          <a:bodyPr vert="horz" lIns="0" tIns="45720" rIns="0" bIns="45720" rtlCol="0" anchor="t">
-            <a:normAutofit lnSpcReduction="10000"/>
-          </a:bodyPr>
-          <a:lstStyle/>
-          <a:p>
-            <a:r>
-              <a:rPr lang="en-US" dirty="0"/>
-              <a:t>When using SQL with a programming platform like Python, Java, or R, you will constantly be making a decision where the onus of processing will happen.</a:t>
-            </a:r>
-          </a:p>
-          <a:p>
-            <a:r>
-              <a:rPr lang="en-US" dirty="0"/>
-              <a:t>Should the database engine do the computation work, or the programming platform?</a:t>
-            </a:r>
-          </a:p>
-          <a:p>
-            <a:pPr marL="383540" lvl="1"/>
-            <a:r>
-              <a:rPr lang="en-US" dirty="0"/>
-              <a:t>You can simply pull in data and have your Python/Java/R codebase do the heavy-lifting.</a:t>
-            </a:r>
-          </a:p>
-          <a:p>
-            <a:pPr marL="383540" lvl="1"/>
-            <a:r>
-              <a:rPr lang="en-US" dirty="0"/>
-              <a:t>You can also leverage more complex SQL against the database, and have Python/Java/R consume the results.</a:t>
-            </a:r>
-          </a:p>
-          <a:p>
-            <a:pPr marL="383540" lvl="1"/>
-            <a:r>
-              <a:rPr lang="en-US" dirty="0"/>
-              <a:t>With a very large, expensive and calculated dataset you can save it to a temporary table and use it to support your Python/R/Java application.</a:t>
-            </a:r>
-          </a:p>
-          <a:p>
-            <a:r>
-              <a:rPr lang="en-US" dirty="0"/>
-              <a:t>A good rule of thumb: start with the simplest solution with minimal code/SQL that liberally hits the database as-needed, and gradually introduce caching strategies as performance starts to warrant it.</a:t>
-            </a:r>
-          </a:p>
-          <a:p>
-            <a:r>
-              <a:rPr lang="en-US" dirty="0"/>
-              <a:t>Never concatenate parameters, and use established SQL libraries to inject parameters safely to prevent SQL injection.</a:t>
-            </a:r>
-          </a:p>
-          <a:p>
-            <a:pPr marL="0" indent="0">
-              <a:buNone/>
-            </a:pPr>
-            <a:endParaRPr lang="en-US" dirty="0"/>
-          </a:p>
-          <a:p>
-            <a:pPr marL="383540" lvl="1"/>
-            <a:endParaRPr lang="en-US" dirty="0"/>
-          </a:p>
-        </p:txBody>
-      </p:sp>
-    </p:spTree>
-    <p:extLst>
-      <p:ext uri="{BB962C8B-B14F-4D97-AF65-F5344CB8AC3E}">
-        <p14:creationId xmlns:p14="http://schemas.microsoft.com/office/powerpoint/2010/main" val="3943490407"/>
-      </p:ext>
-    </p:extLst>
-  </p:cSld>
-  <p:clrMapOvr>
-    <a:masterClrMapping/>
-  </p:clrMapOvr>
-  <p:timing>
-    <p:tnLst>
-      <p:par>
-        <p:cTn id="1" dur="indefinite" restart="never" nodeType="tmRoot">
-          <p:childTnLst>
-            <p:seq concurrent="1" nextAc="seek">
-              <p:cTn id="2" dur="indefinite" nodeType="mainSeq">
-                <p:childTnLst>
-                  <p:par>
-                    <p:cTn id="3" fill="hold">
-                      <p:stCondLst>
-                        <p:cond delay="indefinite"/>
-                      </p:stCondLst>
-                      <p:childTnLst>
-                        <p:par>
-                          <p:cTn id="4" fill="hold">
-                            <p:stCondLst>
-                              <p:cond delay="0"/>
-                            </p:stCondLst>
-                            <p:childTnLst>
-                              <p:par>
-                                <p:cTn id="5" presetID="1" presetClass="entr" presetSubtype="0" fill="hold" grpId="0" nodeType="clickEffect">
-                                  <p:stCondLst>
-                                    <p:cond delay="0"/>
-                                  </p:stCondLst>
-                                  <p:childTnLst>
-                                    <p:set>
-                                      <p:cBhvr>
-                                        <p:cTn id="6" dur="1" fill="hold">
-                                          <p:stCondLst>
-                                            <p:cond delay="0"/>
-                                          </p:stCondLst>
-                                        </p:cTn>
-                                        <p:tgtEl>
-                                          <p:spTgt spid="3">
-                                            <p:txEl>
-                                              <p:pRg st="0" end="0"/>
-                                            </p:txEl>
-                                          </p:spTgt>
-                                        </p:tgtEl>
-                                        <p:attrNameLst>
-                                          <p:attrName>style.visibility</p:attrName>
-                                        </p:attrNameLst>
-                                      </p:cBhvr>
-                                      <p:to>
-                                        <p:strVal val="visible"/>
-                                      </p:to>
-                                    </p:set>
-                                  </p:childTnLst>
-                                </p:cTn>
-                              </p:par>
-                            </p:childTnLst>
-                          </p:cTn>
-                        </p:par>
-                      </p:childTnLst>
-                    </p:cTn>
-                  </p:par>
-                  <p:par>
-                    <p:cTn id="7" fill="hold">
-                      <p:stCondLst>
-                        <p:cond delay="indefinite"/>
-                      </p:stCondLst>
-                      <p:childTnLst>
-                        <p:par>
-                          <p:cTn id="8" fill="hold">
-                            <p:stCondLst>
-                              <p:cond delay="0"/>
-                            </p:stCondLst>
-                            <p:childTnLst>
-                              <p:par>
-                                <p:cTn id="9" presetID="1" presetClass="entr" presetSubtype="0" fill="hold" grpId="0" nodeType="clickEffect">
-                                  <p:stCondLst>
-                                    <p:cond delay="0"/>
-                                  </p:stCondLst>
-                                  <p:childTnLst>
-                                    <p:set>
-                                      <p:cBhvr>
-                                        <p:cTn id="10" dur="1" fill="hold">
-                                          <p:stCondLst>
-                                            <p:cond delay="0"/>
-                                          </p:stCondLst>
-                                        </p:cTn>
-                                        <p:tgtEl>
-                                          <p:spTgt spid="3">
-                                            <p:txEl>
-                                              <p:pRg st="1" end="1"/>
-                                            </p:txEl>
-                                          </p:spTgt>
-                                        </p:tgtEl>
-                                        <p:attrNameLst>
-                                          <p:attrName>style.visibility</p:attrName>
-                                        </p:attrNameLst>
-                                      </p:cBhvr>
-                                      <p:to>
-                                        <p:strVal val="visible"/>
-                                      </p:to>
-                                    </p:set>
-                                  </p:childTnLst>
-                                </p:cTn>
-                              </p:par>
-                              <p:par>
-                                <p:cTn id="11" presetID="1" presetClass="entr" presetSubtype="0" fill="hold" grpId="0" nodeType="withEffect">
-                                  <p:stCondLst>
-                                    <p:cond delay="0"/>
-                                  </p:stCondLst>
-                                  <p:childTnLst>
-                                    <p:set>
-                                      <p:cBhvr>
-                                        <p:cTn id="12" dur="1" fill="hold">
-                                          <p:stCondLst>
-                                            <p:cond delay="0"/>
-                                          </p:stCondLst>
-                                        </p:cTn>
-                                        <p:tgtEl>
-                                          <p:spTgt spid="3">
-                                            <p:txEl>
-                                              <p:pRg st="2" end="2"/>
-                                            </p:txEl>
-                                          </p:spTgt>
-                                        </p:tgtEl>
-                                        <p:attrNameLst>
-                                          <p:attrName>style.visibility</p:attrName>
-                                        </p:attrNameLst>
-                                      </p:cBhvr>
-                                      <p:to>
-                                        <p:strVal val="visible"/>
-                                      </p:to>
-                                    </p:set>
-                                  </p:childTnLst>
-                                </p:cTn>
-                              </p:par>
-                              <p:par>
-                                <p:cTn id="13" presetID="1" presetClass="entr" presetSubtype="0" fill="hold" grpId="0" nodeType="withEffect">
-                                  <p:stCondLst>
-                                    <p:cond delay="0"/>
-                                  </p:stCondLst>
-                                  <p:childTnLst>
-                                    <p:set>
-                                      <p:cBhvr>
-                                        <p:cTn id="14" dur="1" fill="hold">
-                                          <p:stCondLst>
-                                            <p:cond delay="0"/>
-                                          </p:stCondLst>
-                                        </p:cTn>
-                                        <p:tgtEl>
-                                          <p:spTgt spid="3">
-                                            <p:txEl>
-                                              <p:pRg st="3" end="3"/>
-                                            </p:txEl>
-                                          </p:spTgt>
-                                        </p:tgtEl>
-                                        <p:attrNameLst>
-                                          <p:attrName>style.visibility</p:attrName>
-                                        </p:attrNameLst>
-                                      </p:cBhvr>
-                                      <p:to>
-                                        <p:strVal val="visible"/>
-                                      </p:to>
-                                    </p:set>
-                                  </p:childTnLst>
-                                </p:cTn>
-                              </p:par>
-                              <p:par>
-                                <p:cTn id="15" presetID="1" presetClass="entr" presetSubtype="0" fill="hold" grpId="0" nodeType="withEffect">
-                                  <p:stCondLst>
-                                    <p:cond delay="0"/>
-                                  </p:stCondLst>
-                                  <p:childTnLst>
-                                    <p:set>
-                                      <p:cBhvr>
-                                        <p:cTn id="16" dur="1" fill="hold">
-                                          <p:stCondLst>
-                                            <p:cond delay="0"/>
-                                          </p:stCondLst>
-                                        </p:cTn>
-                                        <p:tgtEl>
-                                          <p:spTgt spid="3">
-                                            <p:txEl>
-                                              <p:pRg st="4" end="4"/>
-                                            </p:txEl>
-                                          </p:spTgt>
-                                        </p:tgtEl>
-                                        <p:attrNameLst>
-                                          <p:attrName>style.visibility</p:attrName>
-                                        </p:attrNameLst>
-                                      </p:cBhvr>
-                                      <p:to>
-                                        <p:strVal val="visible"/>
-                                      </p:to>
-                                    </p:set>
-                                  </p:childTnLst>
-                                </p:cTn>
-                              </p:par>
-                            </p:childTnLst>
-                          </p:cTn>
-                        </p:par>
-                      </p:childTnLst>
-                    </p:cTn>
-                  </p:par>
-                  <p:par>
-                    <p:cTn id="17" fill="hold">
-                      <p:stCondLst>
-                        <p:cond delay="indefinite"/>
-                      </p:stCondLst>
-                      <p:childTnLst>
-                        <p:par>
-                          <p:cTn id="18" fill="hold">
-                            <p:stCondLst>
-                              <p:cond delay="0"/>
-                            </p:stCondLst>
-                            <p:childTnLst>
-                              <p:par>
-                                <p:cTn id="19" presetID="1" presetClass="entr" presetSubtype="0" fill="hold" grpId="0" nodeType="clickEffect">
-                                  <p:stCondLst>
-                                    <p:cond delay="0"/>
-                                  </p:stCondLst>
-                                  <p:childTnLst>
-                                    <p:set>
-                                      <p:cBhvr>
-                                        <p:cTn id="20" dur="1" fill="hold">
-                                          <p:stCondLst>
-                                            <p:cond delay="0"/>
-                                          </p:stCondLst>
-                                        </p:cTn>
-                                        <p:tgtEl>
-                                          <p:spTgt spid="3">
-                                            <p:txEl>
-                                              <p:pRg st="5" end="5"/>
-                                            </p:txEl>
-                                          </p:spTgt>
-                                        </p:tgtEl>
-                                        <p:attrNameLst>
-                                          <p:attrName>style.visibility</p:attrName>
-                                        </p:attrNameLst>
-                                      </p:cBhvr>
-                                      <p:to>
-                                        <p:strVal val="visible"/>
-                                      </p:to>
-                                    </p:set>
-                                  </p:childTnLst>
-                                </p:cTn>
-                              </p:par>
-                            </p:childTnLst>
-                          </p:cTn>
-                        </p:par>
-                      </p:childTnLst>
-                    </p:cTn>
-                  </p:par>
-                  <p:par>
-                    <p:cTn id="21" fill="hold">
-                      <p:stCondLst>
-                        <p:cond delay="indefinite"/>
-                      </p:stCondLst>
-                      <p:childTnLst>
-                        <p:par>
-                          <p:cTn id="22" fill="hold">
-                            <p:stCondLst>
-                              <p:cond delay="0"/>
-                            </p:stCondLst>
-                            <p:childTnLst>
-                              <p:par>
-                                <p:cTn id="23" presetID="1" presetClass="entr" presetSubtype="0" fill="hold" grpId="0" nodeType="clickEffect">
-                                  <p:stCondLst>
-                                    <p:cond delay="0"/>
-                                  </p:stCondLst>
-                                  <p:childTnLst>
-                                    <p:set>
-                                      <p:cBhvr>
-                                        <p:cTn id="24" dur="1" fill="hold">
-                                          <p:stCondLst>
-                                            <p:cond delay="0"/>
-                                          </p:stCondLst>
-                                        </p:cTn>
-                                        <p:tgtEl>
-                                          <p:spTgt spid="3">
-                                            <p:txEl>
-                                              <p:pRg st="6" end="6"/>
-                                            </p:txEl>
-                                          </p:spTgt>
-                                        </p:tgtEl>
-                                        <p:attrNameLst>
-                                          <p:attrName>style.visibility</p:attrName>
-                                        </p:attrNameLst>
-                                      </p:cBhvr>
-                                      <p:to>
-                                        <p:strVal val="visible"/>
-                                      </p:to>
-                                    </p:set>
-                                  </p:childTnLst>
-                                </p:cTn>
-                              </p:par>
-                            </p:childTnLst>
-                          </p:cTn>
-                        </p:par>
-                      </p:childTnLst>
-                    </p:cTn>
-                  </p:par>
-                </p:childTnLst>
-              </p:cTn>
-              <p:prevCondLst>
-                <p:cond evt="onPrev" delay="0">
-                  <p:tgtEl>
-                    <p:sldTgt/>
-                  </p:tgtEl>
-                </p:cond>
-              </p:prevCondLst>
-              <p:nextCondLst>
-                <p:cond evt="onNext" delay="0">
-                  <p:tgtEl>
-                    <p:sldTgt/>
-                  </p:tgtEl>
-                </p:cond>
-              </p:nextCondLst>
-            </p:seq>
-          </p:childTnLst>
-        </p:cTn>
-      </p:par>
-    </p:tnLst>
-    <p:bldLst>
-      <p:bldP spid="3" grpId="0" build="p"/>
-    </p:bldLst>
-  </p:timing>
-</p:sld>
-</file>
-
-<file path=ppt/slides/slide14.xml><?xml version="1.0" encoding="utf-8"?>
-<p:sld xmlns:a="http://schemas.openxmlformats.org/drawingml/2006/main" xmlns:r="http://schemas.openxmlformats.org/officeDocument/2006/relationships" xmlns:p="http://schemas.openxmlformats.org/presentationml/2006/main">
-  <p:cSld>
-    <p:spTree>
-      <p:nvGrpSpPr>
-        <p:cNvPr id="1" name=""/>
-        <p:cNvGrpSpPr/>
-        <p:nvPr/>
-      </p:nvGrpSpPr>
-      <p:grpSpPr>
-        <a:xfrm>
-          <a:off x="0" y="0"/>
-          <a:ext cx="0" cy="0"/>
-          <a:chOff x="0" y="0"/>
-          <a:chExt cx="0" cy="0"/>
-        </a:xfrm>
-      </p:grpSpPr>
-      <p:sp>
-        <p:nvSpPr>
-          <p:cNvPr id="2" name="Content Placeholder 1"/>
-          <p:cNvSpPr>
-            <a:spLocks noGrp="1"/>
-          </p:cNvSpPr>
-          <p:nvPr>
-            <p:ph sz="half" idx="2"/>
-          </p:nvPr>
-        </p:nvSpPr>
-        <p:spPr>
-          <a:xfrm>
-            <a:off x="1265944" y="1974353"/>
-            <a:ext cx="8644333" cy="3978275"/>
-          </a:xfrm>
-        </p:spPr>
-        <p:txBody>
-          <a:bodyPr/>
-          <a:lstStyle/>
-          <a:p>
-            <a:pPr lvl="0">
-              <a:tabLst>
-                <a:tab pos="0" algn="l"/>
-              </a:tabLst>
-            </a:pPr>
-            <a:r>
-              <a:rPr lang="en-US" dirty="0">
-                <a:solidFill>
-                  <a:srgbClr val="404040"/>
-                </a:solidFill>
-                <a:latin typeface="Segoe UI" pitchFamily="34"/>
-              </a:rPr>
-              <a:t>To prevent SQL injection, </a:t>
-            </a:r>
-            <a:r>
-              <a:rPr lang="en-US" i="1" dirty="0">
-                <a:solidFill>
-                  <a:srgbClr val="404040"/>
-                </a:solidFill>
-                <a:latin typeface="Segoe UI" pitchFamily="34"/>
-              </a:rPr>
-              <a:t>never</a:t>
-            </a:r>
-            <a:r>
-              <a:rPr lang="en-US" dirty="0">
-                <a:solidFill>
-                  <a:srgbClr val="404040"/>
-                </a:solidFill>
-                <a:latin typeface="Segoe UI" pitchFamily="34"/>
-              </a:rPr>
-              <a:t> concatenate a SQL string with parameters</a:t>
-            </a:r>
-          </a:p>
-          <a:p>
-            <a:pPr lvl="0">
-              <a:tabLst>
-                <a:tab pos="0" algn="l"/>
-              </a:tabLst>
-            </a:pPr>
-            <a:r>
-              <a:rPr lang="en-US" dirty="0">
-                <a:solidFill>
-                  <a:srgbClr val="404040"/>
-                </a:solidFill>
-                <a:latin typeface="Segoe UI" pitchFamily="34"/>
-              </a:rPr>
-              <a:t>Instead, use the right tools and libraries to safely inject parameters for you</a:t>
-            </a:r>
-          </a:p>
-          <a:p>
-            <a:pPr lvl="0">
-              <a:tabLst>
-                <a:tab pos="0" algn="l"/>
-              </a:tabLst>
-            </a:pPr>
-            <a:r>
-              <a:rPr lang="en-US" i="1" dirty="0">
-                <a:solidFill>
-                  <a:srgbClr val="404040"/>
-                </a:solidFill>
-                <a:latin typeface="Segoe UI" pitchFamily="34"/>
-              </a:rPr>
-              <a:t>For Python, use </a:t>
-            </a:r>
-            <a:r>
-              <a:rPr lang="en-US" i="1" dirty="0" err="1">
-                <a:solidFill>
-                  <a:srgbClr val="404040"/>
-                </a:solidFill>
-                <a:latin typeface="Segoe UI" pitchFamily="34"/>
-              </a:rPr>
-              <a:t>SQLAlchemy</a:t>
-            </a:r>
-            <a:endParaRPr lang="en-US" i="1" dirty="0">
-              <a:solidFill>
-                <a:srgbClr val="404040"/>
-              </a:solidFill>
-              <a:latin typeface="Segoe UI" pitchFamily="34"/>
-            </a:endParaRPr>
-          </a:p>
-          <a:p>
-            <a:endParaRPr lang="en-US" dirty="0"/>
-          </a:p>
-        </p:txBody>
-      </p:sp>
-      <p:sp>
-        <p:nvSpPr>
-          <p:cNvPr id="3" name="Title 2"/>
-          <p:cNvSpPr>
-            <a:spLocks noGrp="1"/>
-          </p:cNvSpPr>
-          <p:nvPr>
-            <p:ph type="title"/>
-          </p:nvPr>
-        </p:nvSpPr>
-        <p:spPr>
-          <a:xfrm>
-            <a:off x="1265944" y="61931"/>
-            <a:ext cx="10058400" cy="1450757"/>
-          </a:xfrm>
-        </p:spPr>
-        <p:txBody>
-          <a:bodyPr/>
-          <a:lstStyle/>
-          <a:p>
-            <a:r>
-              <a:rPr lang="en-US" dirty="0"/>
-              <a:t>Preventing SQL Injection	</a:t>
-            </a:r>
-          </a:p>
-        </p:txBody>
-      </p:sp>
-      <p:pic>
-        <p:nvPicPr>
-          <p:cNvPr id="4" name="Picture 3"/>
-          <p:cNvPicPr>
-            <a:picLocks noChangeAspect="1"/>
-          </p:cNvPicPr>
-          <p:nvPr/>
-        </p:nvPicPr>
-        <p:blipFill>
-          <a:blip r:embed="rId2">
-            <a:lum/>
-            <a:alphaModFix/>
-          </a:blip>
-          <a:srcRect/>
-          <a:stretch>
-            <a:fillRect/>
-          </a:stretch>
-        </p:blipFill>
-        <p:spPr>
-          <a:xfrm>
-            <a:off x="1463066" y="3416693"/>
-            <a:ext cx="6905160" cy="2229839"/>
-          </a:xfrm>
-          <a:prstGeom prst="rect">
-            <a:avLst/>
-          </a:prstGeom>
-          <a:noFill/>
-          <a:ln>
-            <a:noFill/>
-          </a:ln>
-        </p:spPr>
-      </p:pic>
-      <p:pic>
-        <p:nvPicPr>
-          <p:cNvPr id="5" name="Picture 4"/>
-          <p:cNvPicPr>
-            <a:picLocks noChangeAspect="1"/>
-          </p:cNvPicPr>
-          <p:nvPr/>
-        </p:nvPicPr>
-        <p:blipFill>
-          <a:blip r:embed="rId3">
-            <a:lum/>
-            <a:alphaModFix/>
-          </a:blip>
-          <a:srcRect/>
-          <a:stretch>
-            <a:fillRect/>
-          </a:stretch>
-        </p:blipFill>
-        <p:spPr>
-          <a:xfrm>
-            <a:off x="9132235" y="3218359"/>
-            <a:ext cx="1556084" cy="2041771"/>
-          </a:xfrm>
-          <a:prstGeom prst="rect">
-            <a:avLst/>
-          </a:prstGeom>
-          <a:noFill/>
-          <a:ln>
-            <a:noFill/>
-          </a:ln>
-        </p:spPr>
-      </p:pic>
-      <p:sp>
-        <p:nvSpPr>
-          <p:cNvPr id="6" name="Rectangle 5"/>
-          <p:cNvSpPr/>
-          <p:nvPr/>
-        </p:nvSpPr>
-        <p:spPr>
-          <a:xfrm>
-            <a:off x="8565347" y="5490963"/>
-            <a:ext cx="2980368" cy="923330"/>
-          </a:xfrm>
-          <a:prstGeom prst="rect">
-            <a:avLst/>
-          </a:prstGeom>
-        </p:spPr>
-        <p:txBody>
-          <a:bodyPr wrap="none">
-            <a:spAutoFit/>
-          </a:bodyPr>
-          <a:lstStyle/>
-          <a:p>
-            <a:r>
-              <a:rPr lang="en-US" i="1" dirty="0"/>
-              <a:t>More info at: </a:t>
-            </a:r>
-            <a:endParaRPr lang="en-US" dirty="0"/>
-          </a:p>
-          <a:p>
-            <a:r>
-              <a:rPr lang="en-US" dirty="0">
-                <a:hlinkClick r:id="rId4"/>
-              </a:rPr>
-              <a:t>http://www.sqlalchemy.org/</a:t>
-            </a:r>
-            <a:endParaRPr lang="en-US" dirty="0"/>
-          </a:p>
-          <a:p>
-            <a:endParaRPr lang="en-US" dirty="0"/>
-          </a:p>
-        </p:txBody>
-      </p:sp>
-    </p:spTree>
-    <p:extLst>
-      <p:ext uri="{BB962C8B-B14F-4D97-AF65-F5344CB8AC3E}">
-        <p14:creationId xmlns:p14="http://schemas.microsoft.com/office/powerpoint/2010/main" val="343667891"/>
-      </p:ext>
-    </p:extLst>
-  </p:cSld>
-  <p:clrMapOvr>
-    <a:masterClrMapping/>
-  </p:clrMapOvr>
-  <p:timing>
-    <p:tnLst>
-      <p:par>
-        <p:cTn id="1" dur="indefinite" restart="never" nodeType="tmRoot">
-          <p:childTnLst>
-            <p:seq concurrent="1" nextAc="seek">
-              <p:cTn id="2" dur="indefinite" nodeType="mainSeq">
-                <p:childTnLst>
-                  <p:par>
-                    <p:cTn id="3" fill="hold">
-                      <p:stCondLst>
-                        <p:cond delay="indefinite"/>
-                      </p:stCondLst>
-                      <p:childTnLst>
-                        <p:par>
-                          <p:cTn id="4" fill="hold">
-                            <p:stCondLst>
-                              <p:cond delay="0"/>
-                            </p:stCondLst>
-                            <p:childTnLst>
-                              <p:par>
-                                <p:cTn id="5" presetID="1" presetClass="entr" presetSubtype="0" fill="hold" nodeType="clickEffect">
-                                  <p:stCondLst>
-                                    <p:cond delay="0"/>
-                                  </p:stCondLst>
-                                  <p:childTnLst>
-                                    <p:set>
-                                      <p:cBhvr>
-                                        <p:cTn id="6" dur="1" fill="hold">
-                                          <p:stCondLst>
-                                            <p:cond delay="0"/>
-                                          </p:stCondLst>
-                                        </p:cTn>
-                                        <p:tgtEl>
-                                          <p:spTgt spid="2">
-                                            <p:txEl>
-                                              <p:pRg st="0" end="0"/>
-                                            </p:txEl>
-                                          </p:spTgt>
-                                        </p:tgtEl>
-                                        <p:attrNameLst>
-                                          <p:attrName>style.visibility</p:attrName>
-                                        </p:attrNameLst>
-                                      </p:cBhvr>
-                                      <p:to>
-                                        <p:strVal val="visible"/>
-                                      </p:to>
-                                    </p:set>
-                                  </p:childTnLst>
-                                </p:cTn>
-                              </p:par>
-                            </p:childTnLst>
-                          </p:cTn>
-                        </p:par>
-                      </p:childTnLst>
-                    </p:cTn>
-                  </p:par>
-                  <p:par>
-                    <p:cTn id="7" fill="hold">
-                      <p:stCondLst>
-                        <p:cond delay="indefinite"/>
-                      </p:stCondLst>
-                      <p:childTnLst>
-                        <p:par>
-                          <p:cTn id="8" fill="hold">
-                            <p:stCondLst>
-                              <p:cond delay="0"/>
-                            </p:stCondLst>
-                            <p:childTnLst>
-                              <p:par>
-                                <p:cTn id="9" presetID="1" presetClass="entr" presetSubtype="0" fill="hold" nodeType="clickEffect">
-                                  <p:stCondLst>
-                                    <p:cond delay="0"/>
-                                  </p:stCondLst>
-                                  <p:childTnLst>
-                                    <p:set>
-                                      <p:cBhvr>
-                                        <p:cTn id="10" dur="1" fill="hold">
-                                          <p:stCondLst>
-                                            <p:cond delay="0"/>
-                                          </p:stCondLst>
-                                        </p:cTn>
-                                        <p:tgtEl>
-                                          <p:spTgt spid="2">
-                                            <p:txEl>
-                                              <p:pRg st="1" end="1"/>
-                                            </p:txEl>
-                                          </p:spTgt>
-                                        </p:tgtEl>
-                                        <p:attrNameLst>
-                                          <p:attrName>style.visibility</p:attrName>
-                                        </p:attrNameLst>
-                                      </p:cBhvr>
-                                      <p:to>
-                                        <p:strVal val="visible"/>
-                                      </p:to>
-                                    </p:set>
-                                  </p:childTnLst>
-                                </p:cTn>
-                              </p:par>
-                            </p:childTnLst>
-                          </p:cTn>
-                        </p:par>
-                      </p:childTnLst>
-                    </p:cTn>
-                  </p:par>
-                  <p:par>
-                    <p:cTn id="11" fill="hold">
-                      <p:stCondLst>
-                        <p:cond delay="indefinite"/>
-                      </p:stCondLst>
-                      <p:childTnLst>
-                        <p:par>
-                          <p:cTn id="12" fill="hold">
-                            <p:stCondLst>
-                              <p:cond delay="0"/>
-                            </p:stCondLst>
-                            <p:childTnLst>
-                              <p:par>
-                                <p:cTn id="13" presetID="1" presetClass="entr" presetSubtype="0" fill="hold" nodeType="clickEffect">
-                                  <p:stCondLst>
-                                    <p:cond delay="0"/>
-                                  </p:stCondLst>
-                                  <p:childTnLst>
-                                    <p:set>
-                                      <p:cBhvr>
-                                        <p:cTn id="14" dur="1" fill="hold">
-                                          <p:stCondLst>
-                                            <p:cond delay="0"/>
-                                          </p:stCondLst>
-                                        </p:cTn>
-                                        <p:tgtEl>
-                                          <p:spTgt spid="2">
-                                            <p:txEl>
-                                              <p:pRg st="2" end="2"/>
-                                            </p:txEl>
-                                          </p:spTgt>
-                                        </p:tgtEl>
-                                        <p:attrNameLst>
-                                          <p:attrName>style.visibility</p:attrName>
-                                        </p:attrNameLst>
-                                      </p:cBhvr>
-                                      <p:to>
-                                        <p:strVal val="visible"/>
-                                      </p:to>
-                                    </p:set>
-                                  </p:childTnLst>
-                                </p:cTn>
-                              </p:par>
-                            </p:childTnLst>
-                          </p:cTn>
-                        </p:par>
-                      </p:childTnLst>
-                    </p:cTn>
-                  </p:par>
-                  <p:par>
-                    <p:cTn id="15" fill="hold">
-                      <p:stCondLst>
-                        <p:cond delay="indefinite"/>
-                      </p:stCondLst>
-                      <p:childTnLst>
-                        <p:par>
-                          <p:cTn id="16" fill="hold">
-                            <p:stCondLst>
-                              <p:cond delay="0"/>
-                            </p:stCondLst>
-                            <p:childTnLst>
-                              <p:par>
-                                <p:cTn id="17" presetID="1" presetClass="entr" presetSubtype="0" fill="hold" nodeType="clickEffect">
-                                  <p:stCondLst>
-                                    <p:cond delay="0"/>
-                                  </p:stCondLst>
-                                  <p:childTnLst>
-                                    <p:set>
-                                      <p:cBhvr>
-                                        <p:cTn id="18" dur="1" fill="hold">
-                                          <p:stCondLst>
-                                            <p:cond delay="0"/>
-                                          </p:stCondLst>
-                                        </p:cTn>
-                                        <p:tgtEl>
-                                          <p:spTgt spid="4"/>
-                                        </p:tgtEl>
-                                        <p:attrNameLst>
-                                          <p:attrName>style.visibility</p:attrName>
-                                        </p:attrNameLst>
-                                      </p:cBhvr>
-                                      <p:to>
-                                        <p:strVal val="visible"/>
-                                      </p:to>
-                                    </p:set>
-                                  </p:childTnLst>
-                                </p:cTn>
-                              </p:par>
-                            </p:childTnLst>
-                          </p:cTn>
-                        </p:par>
-                      </p:childTnLst>
-                    </p:cTn>
-                  </p:par>
-                  <p:par>
-                    <p:cTn id="19" fill="hold">
-                      <p:stCondLst>
-                        <p:cond delay="indefinite"/>
-                      </p:stCondLst>
-                      <p:childTnLst>
-                        <p:par>
-                          <p:cTn id="20" fill="hold">
-                            <p:stCondLst>
-                              <p:cond delay="0"/>
-                            </p:stCondLst>
-                            <p:childTnLst>
-                              <p:par>
-                                <p:cTn id="21" presetID="1" presetClass="entr" presetSubtype="0" fill="hold" nodeType="clickEffect">
-                                  <p:stCondLst>
-                                    <p:cond delay="0"/>
-                                  </p:stCondLst>
-                                  <p:childTnLst>
-                                    <p:set>
-                                      <p:cBhvr>
-                                        <p:cTn id="22" dur="1" fill="hold">
-                                          <p:stCondLst>
-                                            <p:cond delay="0"/>
-                                          </p:stCondLst>
-                                        </p:cTn>
-                                        <p:tgtEl>
-                                          <p:spTgt spid="5"/>
-                                        </p:tgtEl>
-                                        <p:attrNameLst>
-                                          <p:attrName>style.visibility</p:attrName>
-                                        </p:attrNameLst>
-                                      </p:cBhvr>
-                                      <p:to>
-                                        <p:strVal val="visible"/>
-                                      </p:to>
-                                    </p:set>
-                                  </p:childTnLst>
-                                </p:cTn>
-                              </p:par>
-                              <p:par>
-                                <p:cTn id="23" presetID="1" presetClass="entr" presetSubtype="0" fill="hold" grpId="0" nodeType="withEffect">
-                                  <p:stCondLst>
-                                    <p:cond delay="0"/>
-                                  </p:stCondLst>
-                                  <p:childTnLst>
-                                    <p:set>
-                                      <p:cBhvr>
-                                        <p:cTn id="24" dur="1" fill="hold">
-                                          <p:stCondLst>
-                                            <p:cond delay="0"/>
-                                          </p:stCondLst>
-                                        </p:cTn>
-                                        <p:tgtEl>
-                                          <p:spTgt spid="6"/>
-                                        </p:tgtEl>
-                                        <p:attrNameLst>
-                                          <p:attrName>style.visibility</p:attrName>
-                                        </p:attrNameLst>
-                                      </p:cBhvr>
-                                      <p:to>
-                                        <p:strVal val="visible"/>
-                                      </p:to>
-                                    </p:set>
-                                  </p:childTnLst>
-                                </p:cTn>
-                              </p:par>
-                            </p:childTnLst>
-                          </p:cTn>
-                        </p:par>
-                      </p:childTnLst>
-                    </p:cTn>
-                  </p:par>
-                </p:childTnLst>
-              </p:cTn>
-              <p:prevCondLst>
-                <p:cond evt="onPrev" delay="0">
-                  <p:tgtEl>
-                    <p:sldTgt/>
-                  </p:tgtEl>
-                </p:cond>
-              </p:prevCondLst>
-              <p:nextCondLst>
-                <p:cond evt="onNext" delay="0">
-                  <p:tgtEl>
-                    <p:sldTgt/>
-                  </p:tgtEl>
-                </p:cond>
-              </p:nextCondLst>
-            </p:seq>
-          </p:childTnLst>
-        </p:cTn>
-      </p:par>
-    </p:tnLst>
-    <p:bldLst>
-      <p:bldP spid="6" grpId="0"/>
-    </p:bldLst>
-  </p:timing>
-</p:sld>
-</file>
-
-<file path=ppt/slides/slide15.xml><?xml version="1.0" encoding="utf-8"?>
-<p:sld xmlns:a="http://schemas.openxmlformats.org/drawingml/2006/main" xmlns:r="http://schemas.openxmlformats.org/officeDocument/2006/relationships" xmlns:p="http://schemas.openxmlformats.org/presentationml/2006/main">
-  <p:cSld>
-    <p:spTree>
-      <p:nvGrpSpPr>
-        <p:cNvPr id="1" name=""/>
-        <p:cNvGrpSpPr/>
-        <p:nvPr/>
-      </p:nvGrpSpPr>
-      <p:grpSpPr>
-        <a:xfrm>
-          <a:off x="0" y="0"/>
-          <a:ext cx="0" cy="0"/>
-          <a:chOff x="0" y="0"/>
-          <a:chExt cx="0" cy="0"/>
-        </a:xfrm>
-      </p:grpSpPr>
-      <p:sp>
-        <p:nvSpPr>
-          <p:cNvPr id="2" name="Content Placeholder 1"/>
-          <p:cNvSpPr>
-            <a:spLocks noGrp="1"/>
-          </p:cNvSpPr>
-          <p:nvPr>
-            <p:ph sz="half" idx="2"/>
-          </p:nvPr>
-        </p:nvSpPr>
-        <p:spPr>
-          <a:xfrm>
-            <a:off x="1097280" y="1855083"/>
-            <a:ext cx="8879225" cy="3978275"/>
-          </a:xfrm>
-        </p:spPr>
-        <p:txBody>
-          <a:bodyPr/>
-          <a:lstStyle/>
-          <a:p>
-            <a:pPr marL="0" indent="0">
-              <a:buNone/>
-            </a:pPr>
-            <a:r>
-              <a:rPr lang="en-US" i="1" dirty="0">
-                <a:solidFill>
-                  <a:srgbClr val="404040"/>
-                </a:solidFill>
-                <a:latin typeface="Segoe UI" pitchFamily="34"/>
-              </a:rPr>
-              <a:t>For Java, Scala, Kotlin, and other JVM languages use JDBC’s </a:t>
-            </a:r>
-            <a:r>
-              <a:rPr lang="en-US" i="1" dirty="0" err="1">
-                <a:solidFill>
-                  <a:srgbClr val="404040"/>
-                </a:solidFill>
-                <a:latin typeface="Segoe UI" pitchFamily="34"/>
-              </a:rPr>
-              <a:t>PreparedStatement</a:t>
-            </a:r>
-            <a:endParaRPr lang="en-US" i="1" dirty="0">
-              <a:solidFill>
-                <a:srgbClr val="404040"/>
-              </a:solidFill>
-              <a:latin typeface="Segoe UI" pitchFamily="34"/>
-            </a:endParaRPr>
-          </a:p>
-          <a:p>
-            <a:endParaRPr lang="en-US" dirty="0"/>
-          </a:p>
-        </p:txBody>
-      </p:sp>
-      <p:sp>
-        <p:nvSpPr>
-          <p:cNvPr id="3" name="Title 2"/>
-          <p:cNvSpPr>
-            <a:spLocks noGrp="1"/>
-          </p:cNvSpPr>
-          <p:nvPr>
-            <p:ph type="title"/>
-          </p:nvPr>
-        </p:nvSpPr>
-        <p:spPr/>
-        <p:txBody>
-          <a:bodyPr/>
-          <a:lstStyle/>
-          <a:p>
-            <a:r>
-              <a:rPr lang="en-US" dirty="0"/>
-              <a:t>Preventing SQL Injection</a:t>
-            </a:r>
-          </a:p>
-        </p:txBody>
-      </p:sp>
-      <p:pic>
-        <p:nvPicPr>
-          <p:cNvPr id="4" name="Picture 3"/>
-          <p:cNvPicPr>
-            <a:picLocks noChangeAspect="1"/>
-          </p:cNvPicPr>
-          <p:nvPr/>
-        </p:nvPicPr>
-        <p:blipFill>
-          <a:blip r:embed="rId2">
-            <a:lum/>
-            <a:alphaModFix/>
-          </a:blip>
-          <a:srcRect/>
-          <a:stretch>
-            <a:fillRect/>
-          </a:stretch>
-        </p:blipFill>
-        <p:spPr>
-          <a:xfrm>
-            <a:off x="1196033" y="2499121"/>
-            <a:ext cx="7955280" cy="2870640"/>
-          </a:xfrm>
-          <a:prstGeom prst="rect">
-            <a:avLst/>
-          </a:prstGeom>
-          <a:noFill/>
-          <a:ln>
-            <a:noFill/>
-          </a:ln>
-        </p:spPr>
-      </p:pic>
-      <p:sp>
-        <p:nvSpPr>
-          <p:cNvPr id="5" name="TextBox 4"/>
-          <p:cNvSpPr txBox="1"/>
-          <p:nvPr/>
-        </p:nvSpPr>
-        <p:spPr>
-          <a:xfrm>
-            <a:off x="1097280" y="5428622"/>
-            <a:ext cx="8152786" cy="887251"/>
-          </a:xfrm>
-          <a:prstGeom prst="rect">
-            <a:avLst/>
-          </a:prstGeom>
-          <a:noFill/>
-          <a:ln>
-            <a:noFill/>
-          </a:ln>
-        </p:spPr>
-        <p:txBody>
-          <a:bodyPr vert="horz" wrap="none" lIns="90000" tIns="45000" rIns="90000" bIns="45000" anchorCtr="0" compatLnSpc="0">
-            <a:spAutoFit/>
-          </a:bodyPr>
-          <a:lstStyle/>
-          <a:p>
-            <a:pPr marL="0" marR="0" lvl="0" indent="0" rtl="0" hangingPunct="1">
-              <a:lnSpc>
-                <a:spcPct val="100000"/>
-              </a:lnSpc>
-              <a:spcBef>
-                <a:spcPts val="0"/>
-              </a:spcBef>
-              <a:spcAft>
-                <a:spcPts val="0"/>
-              </a:spcAft>
-              <a:buNone/>
-              <a:tabLst/>
-            </a:pPr>
-            <a:r>
-              <a:rPr lang="en-US" sz="1800" b="0" i="1" u="none" strike="noStrike" kern="1200" cap="none" dirty="0">
-                <a:ln>
-                  <a:noFill/>
-                </a:ln>
-                <a:latin typeface="Source Sans Pro" pitchFamily="34"/>
-                <a:ea typeface="源ノ角ゴシック Normal" pitchFamily="2"/>
-                <a:cs typeface="FreeSans" pitchFamily="2"/>
-              </a:rPr>
-              <a:t>More info at: </a:t>
-            </a:r>
-          </a:p>
-          <a:p>
-            <a:pPr marL="0" marR="0" lvl="0" indent="0" rtl="0" hangingPunct="1">
-              <a:lnSpc>
-                <a:spcPct val="100000"/>
-              </a:lnSpc>
-              <a:spcBef>
-                <a:spcPts val="0"/>
-              </a:spcBef>
-              <a:spcAft>
-                <a:spcPts val="0"/>
-              </a:spcAft>
-              <a:buNone/>
-              <a:tabLst/>
-            </a:pPr>
-            <a:r>
-              <a:rPr lang="en-US" sz="1800" b="0" i="1" u="none" strike="noStrike" kern="1200" cap="none" dirty="0">
-                <a:ln>
-                  <a:noFill/>
-                </a:ln>
-                <a:latin typeface="Source Sans Pro" pitchFamily="34"/>
-                <a:ea typeface="源ノ角ゴシック Normal" pitchFamily="2"/>
-                <a:cs typeface="FreeSans" pitchFamily="2"/>
-                <a:hlinkClick r:id="rId3"/>
-              </a:rPr>
-              <a:t>http://tutorials.jenkov.com/jdbc/index.html</a:t>
-            </a:r>
-            <a:endParaRPr lang="en-US" sz="1800" b="0" i="1" u="none" strike="noStrike" kern="1200" cap="none" dirty="0">
-              <a:ln>
-                <a:noFill/>
-              </a:ln>
-              <a:latin typeface="Source Sans Pro" pitchFamily="34"/>
-              <a:ea typeface="源ノ角ゴシック Normal" pitchFamily="2"/>
-              <a:cs typeface="FreeSans" pitchFamily="2"/>
-            </a:endParaRPr>
-          </a:p>
-          <a:p>
-            <a:pPr lvl="0"/>
-            <a:r>
-              <a:rPr lang="en-US" i="1" dirty="0">
-                <a:latin typeface="Source Sans Pro" pitchFamily="34"/>
-                <a:ea typeface="源ノ角ゴシック Normal" pitchFamily="2"/>
-                <a:cs typeface="FreeSans" pitchFamily="2"/>
-                <a:hlinkClick r:id="rId4"/>
-              </a:rPr>
-              <a:t>http://www.marcobehler.com/make-it-so-java-db-connections-and-transactions</a:t>
-            </a:r>
-            <a:endParaRPr lang="en-US" i="1" dirty="0">
-              <a:latin typeface="Source Sans Pro" pitchFamily="34"/>
-              <a:ea typeface="源ノ角ゴシック Normal" pitchFamily="2"/>
-              <a:cs typeface="FreeSans" pitchFamily="2"/>
-            </a:endParaRPr>
-          </a:p>
-        </p:txBody>
-      </p:sp>
-    </p:spTree>
-    <p:extLst>
-      <p:ext uri="{BB962C8B-B14F-4D97-AF65-F5344CB8AC3E}">
-        <p14:creationId xmlns:p14="http://schemas.microsoft.com/office/powerpoint/2010/main" val="3368795864"/>
-      </p:ext>
-    </p:extLst>
-  </p:cSld>
-  <p:clrMapOvr>
-    <a:masterClrMapping/>
-  </p:clrMapOvr>
-</p:sld>
-</file>
-
-<file path=ppt/slides/slide16.xml><?xml version="1.0" encoding="utf-8"?>
-<p:sld xmlns:a="http://schemas.openxmlformats.org/drawingml/2006/main" xmlns:r="http://schemas.openxmlformats.org/officeDocument/2006/relationships" xmlns:p="http://schemas.openxmlformats.org/presentationml/2006/main">
-  <p:cSld>
-    <p:spTree>
-      <p:nvGrpSpPr>
-        <p:cNvPr id="1" name=""/>
-        <p:cNvGrpSpPr/>
-        <p:nvPr/>
-      </p:nvGrpSpPr>
-      <p:grpSpPr>
-        <a:xfrm>
-          <a:off x="0" y="0"/>
-          <a:ext cx="0" cy="0"/>
-          <a:chOff x="0" y="0"/>
-          <a:chExt cx="0" cy="0"/>
-        </a:xfrm>
-      </p:grpSpPr>
-      <p:sp>
-        <p:nvSpPr>
-          <p:cNvPr id="3" name="Title 2">
-            <a:extLst>
-              <a:ext uri="{FF2B5EF4-FFF2-40B4-BE49-F238E27FC236}">
-                <a16:creationId xmlns:a16="http://schemas.microsoft.com/office/drawing/2014/main" id="{01488060-F89A-4683-98CE-EC4F0F034F4D}"/>
-              </a:ext>
-            </a:extLst>
-          </p:cNvPr>
-          <p:cNvSpPr>
-            <a:spLocks noGrp="1"/>
-          </p:cNvSpPr>
-          <p:nvPr>
-            <p:ph type="title"/>
-          </p:nvPr>
-        </p:nvSpPr>
-        <p:spPr/>
-        <p:txBody>
-          <a:bodyPr/>
-          <a:lstStyle/>
-          <a:p>
-            <a:r>
-              <a:rPr lang="en-US" dirty="0"/>
-              <a:t>SQL Injection Humor</a:t>
-            </a:r>
-          </a:p>
-        </p:txBody>
-      </p:sp>
-      <p:pic>
-        <p:nvPicPr>
-          <p:cNvPr id="5" name="Picture 4">
-            <a:extLst>
-              <a:ext uri="{FF2B5EF4-FFF2-40B4-BE49-F238E27FC236}">
-                <a16:creationId xmlns:a16="http://schemas.microsoft.com/office/drawing/2014/main" id="{CE282F8B-A096-4A4D-91D5-C9E4EE414764}"/>
-              </a:ext>
-            </a:extLst>
-          </p:cNvPr>
-          <p:cNvPicPr>
-            <a:picLocks noChangeAspect="1"/>
-          </p:cNvPicPr>
-          <p:nvPr/>
-        </p:nvPicPr>
-        <p:blipFill>
-          <a:blip r:embed="rId2">
-            <a:extLst>
-              <a:ext uri="{28A0092B-C50C-407E-A947-70E740481C1C}">
-                <a14:useLocalDpi xmlns:a14="http://schemas.microsoft.com/office/drawing/2010/main" val="0"/>
-              </a:ext>
-            </a:extLst>
-          </a:blip>
-          <a:stretch>
-            <a:fillRect/>
-          </a:stretch>
-        </p:blipFill>
-        <p:spPr>
-          <a:xfrm>
-            <a:off x="521208" y="1956814"/>
-            <a:ext cx="5048250" cy="1817370"/>
-          </a:xfrm>
-          <a:prstGeom prst="rect">
-            <a:avLst/>
-          </a:prstGeom>
-        </p:spPr>
-      </p:pic>
-      <p:pic>
-        <p:nvPicPr>
-          <p:cNvPr id="7" name="Picture 6">
-            <a:extLst>
-              <a:ext uri="{FF2B5EF4-FFF2-40B4-BE49-F238E27FC236}">
-                <a16:creationId xmlns:a16="http://schemas.microsoft.com/office/drawing/2014/main" id="{64F2FB91-B8EF-463A-B9AA-1228E54BDC6B}"/>
-              </a:ext>
-            </a:extLst>
-          </p:cNvPr>
-          <p:cNvPicPr>
-            <a:picLocks noChangeAspect="1"/>
-          </p:cNvPicPr>
-          <p:nvPr/>
-        </p:nvPicPr>
-        <p:blipFill>
-          <a:blip r:embed="rId3" cstate="print">
-            <a:extLst>
-              <a:ext uri="{28A0092B-C50C-407E-A947-70E740481C1C}">
-                <a14:useLocalDpi xmlns:a14="http://schemas.microsoft.com/office/drawing/2010/main" val="0"/>
-              </a:ext>
-            </a:extLst>
-          </a:blip>
-          <a:stretch>
-            <a:fillRect/>
-          </a:stretch>
-        </p:blipFill>
-        <p:spPr>
-          <a:xfrm>
-            <a:off x="6548893" y="1891125"/>
-            <a:ext cx="4606787" cy="2609135"/>
-          </a:xfrm>
-          <a:prstGeom prst="rect">
-            <a:avLst/>
-          </a:prstGeom>
-        </p:spPr>
-      </p:pic>
-      <p:pic>
-        <p:nvPicPr>
-          <p:cNvPr id="9" name="Picture 8">
-            <a:extLst>
-              <a:ext uri="{FF2B5EF4-FFF2-40B4-BE49-F238E27FC236}">
-                <a16:creationId xmlns:a16="http://schemas.microsoft.com/office/drawing/2014/main" id="{9024049F-EDB5-4C7A-9352-53FEC948941D}"/>
-              </a:ext>
-            </a:extLst>
-          </p:cNvPr>
-          <p:cNvPicPr>
-            <a:picLocks noChangeAspect="1"/>
-          </p:cNvPicPr>
-          <p:nvPr/>
-        </p:nvPicPr>
-        <p:blipFill>
-          <a:blip r:embed="rId4">
-            <a:extLst>
-              <a:ext uri="{28A0092B-C50C-407E-A947-70E740481C1C}">
-                <a14:useLocalDpi xmlns:a14="http://schemas.microsoft.com/office/drawing/2010/main" val="0"/>
-              </a:ext>
-            </a:extLst>
-          </a:blip>
-          <a:stretch>
-            <a:fillRect/>
-          </a:stretch>
-        </p:blipFill>
-        <p:spPr>
-          <a:xfrm>
-            <a:off x="521208" y="3993638"/>
-            <a:ext cx="4495800" cy="2489549"/>
-          </a:xfrm>
-          <a:prstGeom prst="rect">
-            <a:avLst/>
-          </a:prstGeom>
-        </p:spPr>
-      </p:pic>
-      <p:pic>
-        <p:nvPicPr>
-          <p:cNvPr id="11" name="Picture 10">
-            <a:extLst>
-              <a:ext uri="{FF2B5EF4-FFF2-40B4-BE49-F238E27FC236}">
-                <a16:creationId xmlns:a16="http://schemas.microsoft.com/office/drawing/2014/main" id="{8628AE07-3A7F-4118-81C4-3F88B9319CF6}"/>
-              </a:ext>
-            </a:extLst>
-          </p:cNvPr>
-          <p:cNvPicPr>
-            <a:picLocks noChangeAspect="1"/>
-          </p:cNvPicPr>
-          <p:nvPr/>
-        </p:nvPicPr>
-        <p:blipFill>
-          <a:blip r:embed="rId5">
-            <a:extLst>
-              <a:ext uri="{28A0092B-C50C-407E-A947-70E740481C1C}">
-                <a14:useLocalDpi xmlns:a14="http://schemas.microsoft.com/office/drawing/2010/main" val="0"/>
-              </a:ext>
-            </a:extLst>
-          </a:blip>
-          <a:stretch>
-            <a:fillRect/>
-          </a:stretch>
-        </p:blipFill>
-        <p:spPr>
-          <a:xfrm>
-            <a:off x="5283708" y="4654026"/>
-            <a:ext cx="5942543" cy="1829161"/>
-          </a:xfrm>
-          <a:prstGeom prst="rect">
-            <a:avLst/>
-          </a:prstGeom>
-        </p:spPr>
-      </p:pic>
-    </p:spTree>
-    <p:extLst>
-      <p:ext uri="{BB962C8B-B14F-4D97-AF65-F5344CB8AC3E}">
-        <p14:creationId xmlns:p14="http://schemas.microsoft.com/office/powerpoint/2010/main" val="1926655148"/>
-      </p:ext>
-    </p:extLst>
-  </p:cSld>
-  <p:clrMapOvr>
-    <a:masterClrMapping/>
-  </p:clrMapOvr>
-</p:sld>
-</file>
-
-<file path=ppt/slides/slide17.xml><?xml version="1.0" encoding="utf-8"?>
-<p:sld xmlns:a="http://schemas.openxmlformats.org/drawingml/2006/main" xmlns:r="http://schemas.openxmlformats.org/officeDocument/2006/relationships" xmlns:p="http://schemas.openxmlformats.org/presentationml/2006/main">
-  <p:cSld>
-    <p:spTree>
-      <p:nvGrpSpPr>
-        <p:cNvPr id="1" name=""/>
-        <p:cNvGrpSpPr/>
-        <p:nvPr/>
-      </p:nvGrpSpPr>
-      <p:grpSpPr>
-        <a:xfrm>
-          <a:off x="0" y="0"/>
-          <a:ext cx="0" cy="0"/>
-          <a:chOff x="0" y="0"/>
-          <a:chExt cx="0" cy="0"/>
-        </a:xfrm>
-      </p:grpSpPr>
-      <p:sp>
-        <p:nvSpPr>
-          <p:cNvPr id="2" name="Content Placeholder 1">
-            <a:extLst>
-              <a:ext uri="{FF2B5EF4-FFF2-40B4-BE49-F238E27FC236}">
-                <a16:creationId xmlns:a16="http://schemas.microsoft.com/office/drawing/2014/main" id="{3412CC38-6DE6-430F-8950-FD747A71225E}"/>
-              </a:ext>
-            </a:extLst>
-          </p:cNvPr>
-          <p:cNvSpPr>
-            <a:spLocks noGrp="1"/>
-          </p:cNvSpPr>
-          <p:nvPr>
-            <p:ph sz="half" idx="2"/>
-          </p:nvPr>
-        </p:nvSpPr>
-        <p:spPr>
-          <a:xfrm>
-            <a:off x="541612" y="1431014"/>
-            <a:ext cx="10213074" cy="5137566"/>
-          </a:xfrm>
-        </p:spPr>
-        <p:txBody>
-          <a:bodyPr>
-            <a:normAutofit/>
-          </a:bodyPr>
-          <a:lstStyle/>
-          <a:p>
-            <a:r>
-              <a:rPr lang="en-US" dirty="0"/>
-              <a:t>Simple Voice-Command SQL Injection Hack into Alexa Application</a:t>
-            </a:r>
-          </a:p>
-          <a:p>
-            <a:pPr marL="0" lvl="1" indent="0">
-              <a:buNone/>
-            </a:pPr>
-            <a:r>
-              <a:rPr lang="en-US" dirty="0"/>
-              <a:t>           </a:t>
-            </a:r>
-            <a:r>
-              <a:rPr lang="en-US" dirty="0">
-                <a:hlinkClick r:id="rId2">
-                  <a:extLst>
-                    <a:ext uri="{A12FA001-AC4F-418D-AE19-62706E023703}">
-                      <ahyp:hlinkClr xmlns:ahyp="http://schemas.microsoft.com/office/drawing/2018/hyperlinkcolor" val="tx"/>
-                    </a:ext>
-                  </a:extLst>
-                </a:hlinkClick>
-              </a:rPr>
-              <a:t>https://securityboulevard.com/2019/09/simple-voice-command-sql-injection-hack-into-alexa-application/</a:t>
-            </a:r>
-            <a:endParaRPr lang="en-US" dirty="0"/>
-          </a:p>
-          <a:p>
-            <a:r>
-              <a:rPr lang="en-US" dirty="0"/>
-              <a:t>How a 'NULL' License Plate Landed One Hacker in Ticket Hell</a:t>
-            </a:r>
-          </a:p>
-          <a:p>
-            <a:pPr marL="457177" lvl="1" indent="0">
-              <a:buNone/>
-            </a:pPr>
-            <a:r>
-              <a:rPr lang="en-US" dirty="0">
-                <a:hlinkClick r:id="rId3">
-                  <a:extLst>
-                    <a:ext uri="{A12FA001-AC4F-418D-AE19-62706E023703}">
-                      <ahyp:hlinkClr xmlns:ahyp="http://schemas.microsoft.com/office/drawing/2018/hyperlinkcolor" val="tx"/>
-                    </a:ext>
-                  </a:extLst>
-                </a:hlinkClick>
-              </a:rPr>
-              <a:t>https://www.wired.com/story/null-license-plate-landed-one-hacker-ticket-hell/</a:t>
-            </a:r>
-            <a:endParaRPr lang="en-US" dirty="0"/>
-          </a:p>
-          <a:p>
-            <a:r>
-              <a:rPr lang="en-US" dirty="0"/>
-              <a:t>This couple cannot do the simplest things online because their last name is ‘Null’</a:t>
-            </a:r>
-          </a:p>
-          <a:p>
-            <a:pPr marL="457177" lvl="1" indent="0">
-              <a:buNone/>
-            </a:pPr>
-            <a:r>
-              <a:rPr lang="en-US" dirty="0">
-                <a:hlinkClick r:id="rId4"/>
-              </a:rPr>
-              <a:t>https://thenextweb.com/insider/2016/03/27/last-name-null-is-tough-for-computers/</a:t>
-            </a:r>
-            <a:endParaRPr lang="en-US" dirty="0"/>
-          </a:p>
-          <a:p>
-            <a:pPr marL="457177" lvl="1" indent="0">
-              <a:buNone/>
-            </a:pPr>
-            <a:endParaRPr lang="en-US" dirty="0"/>
-          </a:p>
-        </p:txBody>
-      </p:sp>
-      <p:sp>
-        <p:nvSpPr>
-          <p:cNvPr id="3" name="Title 2">
-            <a:extLst>
-              <a:ext uri="{FF2B5EF4-FFF2-40B4-BE49-F238E27FC236}">
-                <a16:creationId xmlns:a16="http://schemas.microsoft.com/office/drawing/2014/main" id="{99E88784-0E2E-4529-8C4A-3CD04E29C08B}"/>
-              </a:ext>
-            </a:extLst>
-          </p:cNvPr>
-          <p:cNvSpPr>
-            <a:spLocks noGrp="1"/>
-          </p:cNvSpPr>
-          <p:nvPr>
-            <p:ph type="title"/>
-          </p:nvPr>
-        </p:nvSpPr>
-        <p:spPr/>
-        <p:txBody>
-          <a:bodyPr/>
-          <a:lstStyle/>
-          <a:p>
-            <a:r>
-              <a:rPr lang="en-US" dirty="0"/>
-              <a:t>SQL Injection in the News</a:t>
-            </a:r>
-          </a:p>
-        </p:txBody>
-      </p:sp>
-    </p:spTree>
-    <p:extLst>
-      <p:ext uri="{BB962C8B-B14F-4D97-AF65-F5344CB8AC3E}">
-        <p14:creationId xmlns:p14="http://schemas.microsoft.com/office/powerpoint/2010/main" val="3105953822"/>
-      </p:ext>
-    </p:extLst>
-  </p:cSld>
-  <p:clrMapOvr>
-    <a:masterClrMapping/>
-  </p:clrMapOvr>
-</p:sld>
-</file>
-
-<file path=ppt/slides/slide18.xml><?xml version="1.0" encoding="utf-8"?>
-<p:sld xmlns:a="http://schemas.openxmlformats.org/drawingml/2006/main" xmlns:r="http://schemas.openxmlformats.org/officeDocument/2006/relationships" xmlns:p="http://schemas.openxmlformats.org/presentationml/2006/main">
-  <p:cSld>
-    <p:spTree>
-      <p:nvGrpSpPr>
-        <p:cNvPr id="1" name=""/>
-        <p:cNvGrpSpPr/>
-        <p:nvPr/>
-      </p:nvGrpSpPr>
-      <p:grpSpPr>
-        <a:xfrm>
-          <a:off x="0" y="0"/>
-          <a:ext cx="0" cy="0"/>
-          <a:chOff x="0" y="0"/>
-          <a:chExt cx="0" cy="0"/>
-        </a:xfrm>
-      </p:grpSpPr>
-      <p:sp>
-        <p:nvSpPr>
-          <p:cNvPr id="2" name="Title 1"/>
-          <p:cNvSpPr>
-            <a:spLocks noGrp="1"/>
-          </p:cNvSpPr>
-          <p:nvPr>
-            <p:ph type="title"/>
-          </p:nvPr>
-        </p:nvSpPr>
-        <p:spPr/>
-        <p:txBody>
-          <a:bodyPr/>
-          <a:lstStyle/>
-          <a:p>
-            <a:r>
-              <a:rPr lang="en-US" dirty="0"/>
-              <a:t>Other Online Trainings by Thomas Nield</a:t>
-            </a:r>
-          </a:p>
-        </p:txBody>
-      </p:sp>
-      <p:sp>
-        <p:nvSpPr>
-          <p:cNvPr id="5" name="Content Placeholder 4"/>
-          <p:cNvSpPr>
-            <a:spLocks noGrp="1"/>
-          </p:cNvSpPr>
-          <p:nvPr>
-            <p:ph idx="1"/>
-          </p:nvPr>
-        </p:nvSpPr>
-        <p:spPr>
-          <a:xfrm>
-            <a:off x="1097280" y="1845734"/>
-            <a:ext cx="10058400" cy="2416046"/>
-          </a:xfrm>
-          <a:prstGeom prst="rect">
-            <a:avLst/>
-          </a:prstGeom>
-        </p:spPr>
-        <p:txBody>
-          <a:bodyPr>
-            <a:spAutoFit/>
-          </a:bodyPr>
-          <a:lstStyle/>
-          <a:p>
-            <a:pPr marL="154951" lvl="1" indent="0">
-              <a:lnSpc>
-                <a:spcPct val="170000"/>
-              </a:lnSpc>
-              <a:buNone/>
-            </a:pPr>
-            <a:r>
-              <a:rPr lang="en-US" sz="2000" i="1" dirty="0">
-                <a:hlinkClick r:id="rId2"/>
-              </a:rPr>
-              <a:t>SQL Fundamentals for Data</a:t>
-            </a:r>
-            <a:endParaRPr lang="en-US" sz="2000" i="1" dirty="0"/>
-          </a:p>
-          <a:p>
-            <a:pPr marL="154951" lvl="1" indent="0">
-              <a:lnSpc>
-                <a:spcPct val="170000"/>
-              </a:lnSpc>
-              <a:buNone/>
-            </a:pPr>
-            <a:r>
-              <a:rPr lang="en-US" sz="2000" i="1" dirty="0">
-                <a:hlinkClick r:id="rId3"/>
-              </a:rPr>
-              <a:t>Intermediate SQL for Data Analytics</a:t>
-            </a:r>
-            <a:endParaRPr lang="en-US" sz="2000" i="1" dirty="0"/>
-          </a:p>
-          <a:p>
-            <a:pPr marL="154951" lvl="1" indent="0">
-              <a:lnSpc>
-                <a:spcPct val="170000"/>
-              </a:lnSpc>
-              <a:buNone/>
-            </a:pPr>
-            <a:r>
-              <a:rPr lang="en-US" sz="2000" i="1" dirty="0">
-                <a:hlinkClick r:id="rId4"/>
-              </a:rPr>
-              <a:t>Intro to Mathematical Optimization</a:t>
-            </a:r>
-            <a:endParaRPr lang="en-US" sz="2000" i="1" dirty="0"/>
-          </a:p>
-          <a:p>
-            <a:pPr marL="154951" lvl="1" indent="0">
-              <a:lnSpc>
-                <a:spcPct val="170000"/>
-              </a:lnSpc>
-              <a:buNone/>
-            </a:pPr>
-            <a:r>
-              <a:rPr lang="en-US" sz="2000" i="1" dirty="0">
-                <a:hlinkClick r:id="rId5"/>
-              </a:rPr>
-              <a:t>Machine Learning from Scratch</a:t>
-            </a:r>
-            <a:endParaRPr lang="en-US" sz="2000" i="1" dirty="0"/>
-          </a:p>
-        </p:txBody>
-      </p:sp>
-    </p:spTree>
-    <p:extLst>
-      <p:ext uri="{BB962C8B-B14F-4D97-AF65-F5344CB8AC3E}">
-        <p14:creationId xmlns:p14="http://schemas.microsoft.com/office/powerpoint/2010/main" val="1839238094"/>
-      </p:ext>
-    </p:extLst>
-  </p:cSld>
-  <p:clrMapOvr>
-    <a:masterClrMapping/>
-  </p:clrMapOvr>
-</p:sld>
-</file>
-
 <file path=ppt/slides/slide2.xml><?xml version="1.0" encoding="utf-8"?>
 <p:sld xmlns:a="http://schemas.openxmlformats.org/drawingml/2006/main" xmlns:r="http://schemas.openxmlformats.org/officeDocument/2006/relationships" xmlns:p="http://schemas.openxmlformats.org/presentationml/2006/main">
   <p:cSld>
@@ -7975,7 +5620,7 @@
           <a:p>
             <a:r>
               <a:rPr lang="en-US" dirty="0"/>
-              <a:t> Subqueries, Derived Tables, and Unions</a:t>
+              <a:t> Subqueries, Derived Tables, CTE’s, and Unions</a:t>
             </a:r>
           </a:p>
           <a:p>
@@ -7994,12 +5639,6 @@
             <a:r>
               <a:rPr lang="en-US" dirty="0"/>
               <a:t> Window Functions</a:t>
-            </a:r>
-          </a:p>
-          <a:p>
-            <a:r>
-              <a:rPr lang="en-US" dirty="0"/>
-              <a:t> Programming with SQL (Python, R and Java)</a:t>
             </a:r>
           </a:p>
         </p:txBody>
@@ -8051,7 +5690,7 @@
           <a:p>
             <a:r>
               <a:rPr lang="en-US" dirty="0"/>
-              <a:t>About the Instructor</a:t>
+              <a:t>Setting Up SQLite</a:t>
             </a:r>
           </a:p>
         </p:txBody>
@@ -8069,351 +5708,70 @@
         <p:spPr/>
         <p:txBody>
           <a:bodyPr vert="horz" lIns="0" tIns="45720" rIns="0" bIns="45720" rtlCol="0" anchor="t">
-            <a:normAutofit fontScale="85000" lnSpcReduction="10000"/>
+            <a:normAutofit/>
           </a:bodyPr>
           <a:lstStyle/>
           <a:p>
-            <a:pPr marL="0" indent="0">
-              <a:lnSpc>
-                <a:spcPct val="170000"/>
-              </a:lnSpc>
-              <a:buNone/>
-            </a:pPr>
+            <a:r>
+              <a:rPr lang="en-US" dirty="0" err="1"/>
+              <a:t>SQLiteStudio</a:t>
+            </a:r>
             <a:r>
               <a:rPr lang="en-US" dirty="0"/>
-              <a:t> Thomas Nield </a:t>
-            </a:r>
-          </a:p>
-          <a:p>
-            <a:pPr marL="0" indent="0">
-              <a:lnSpc>
-                <a:spcPct val="170000"/>
-              </a:lnSpc>
-              <a:buNone/>
-            </a:pPr>
-            <a:r>
-              <a:rPr lang="en-US" dirty="0"/>
-              <a:t> Business Consultant for Southwest Airlines </a:t>
-            </a:r>
-          </a:p>
-          <a:p>
-            <a:pPr marL="0" indent="0">
-              <a:lnSpc>
-                <a:spcPct val="170000"/>
-              </a:lnSpc>
-              <a:buNone/>
-            </a:pPr>
-            <a:r>
-              <a:rPr lang="en-US" dirty="0"/>
-              <a:t> Author of </a:t>
-            </a:r>
-            <a:r>
-              <a:rPr lang="en-US" i="1" dirty="0">
-                <a:solidFill>
-                  <a:srgbClr val="FF0000"/>
-                </a:solidFill>
+              <a:t> or SqliteOnline.com can be accessed here:</a:t>
+            </a:r>
+          </a:p>
+          <a:p>
+            <a:r>
+              <a:rPr lang="en-US" dirty="0">
                 <a:hlinkClick r:id="rId3"/>
               </a:rPr>
-              <a:t>Getting Started with SQL </a:t>
-            </a:r>
-            <a:r>
-              <a:rPr lang="en-US" dirty="0"/>
-              <a:t>by O'Reilly and </a:t>
-            </a:r>
-            <a:r>
-              <a:rPr lang="en-US" i="1" dirty="0">
-                <a:solidFill>
-                  <a:srgbClr val="FF0000"/>
-                </a:solidFill>
+              <a:t>https://sqlitestudio.pl/</a:t>
+            </a:r>
+            <a:endParaRPr lang="en-US" dirty="0"/>
+          </a:p>
+          <a:p>
+            <a:r>
+              <a:rPr lang="en-US" dirty="0">
                 <a:hlinkClick r:id="rId4"/>
               </a:rPr>
-              <a:t>Learning </a:t>
-            </a:r>
-            <a:r>
-              <a:rPr lang="en-US" i="1" dirty="0" err="1">
-                <a:solidFill>
-                  <a:srgbClr val="FF0000"/>
-                </a:solidFill>
-                <a:hlinkClick r:id="rId4"/>
-              </a:rPr>
-              <a:t>RxJava</a:t>
-            </a:r>
-            <a:r>
-              <a:rPr lang="en-US" dirty="0">
-                <a:solidFill>
-                  <a:srgbClr val="FF0000"/>
-                </a:solidFill>
-              </a:rPr>
-              <a:t> </a:t>
+              <a:t>https://sqliteonline.com</a:t>
             </a:r>
             <a:r>
               <a:rPr lang="en-US" dirty="0"/>
-              <a:t>by </a:t>
-            </a:r>
-            <a:r>
-              <a:rPr lang="en-US" dirty="0" err="1"/>
-              <a:t>Packt</a:t>
-            </a:r>
+              <a:t>	</a:t>
+            </a:r>
+          </a:p>
+          <a:p>
             <a:endParaRPr lang="en-US" dirty="0"/>
           </a:p>
           <a:p>
-            <a:pPr marL="0" indent="0">
-              <a:lnSpc>
-                <a:spcPct val="170000"/>
-              </a:lnSpc>
-              <a:buNone/>
-            </a:pPr>
             <a:r>
               <a:rPr lang="en-US" dirty="0"/>
-              <a:t> My other online trainings at O'Reilly:</a:t>
-            </a:r>
-          </a:p>
-          <a:p>
-            <a:pPr marL="154951" lvl="1" indent="0">
-              <a:lnSpc>
-                <a:spcPct val="170000"/>
-              </a:lnSpc>
-              <a:buNone/>
-            </a:pPr>
-            <a:r>
-              <a:rPr lang="en-US" sz="1600" i="1" dirty="0">
-                <a:hlinkClick r:id="rId5"/>
-              </a:rPr>
-              <a:t>SQL Fundamentals for Data</a:t>
-            </a:r>
-            <a:endParaRPr lang="en-US" sz="1600" i="1" dirty="0"/>
-          </a:p>
-          <a:p>
-            <a:pPr marL="154951" lvl="1" indent="0">
-              <a:lnSpc>
-                <a:spcPct val="170000"/>
-              </a:lnSpc>
-              <a:buNone/>
-            </a:pPr>
-            <a:r>
-              <a:rPr lang="en-US" sz="1600" i="1" dirty="0">
-                <a:hlinkClick r:id="rId6"/>
-              </a:rPr>
-              <a:t>Intermediate SQL for Data Analytics</a:t>
-            </a:r>
-            <a:endParaRPr lang="en-US" sz="1600" i="1" dirty="0"/>
-          </a:p>
-          <a:p>
-            <a:pPr marL="154951" lvl="1" indent="0">
-              <a:lnSpc>
-                <a:spcPct val="170000"/>
-              </a:lnSpc>
-              <a:buNone/>
-            </a:pPr>
-            <a:r>
-              <a:rPr lang="en-US" sz="1600" i="1" dirty="0">
-                <a:hlinkClick r:id="rId7"/>
-              </a:rPr>
-              <a:t>Intro to Mathematical Optimization</a:t>
-            </a:r>
-            <a:endParaRPr lang="en-US" sz="1600" i="1" dirty="0"/>
-          </a:p>
-          <a:p>
-            <a:pPr marL="154951" lvl="1" indent="0">
-              <a:lnSpc>
-                <a:spcPct val="170000"/>
-              </a:lnSpc>
-              <a:buNone/>
-            </a:pPr>
-            <a:r>
-              <a:rPr lang="en-US" sz="1600" i="1" dirty="0">
-                <a:hlinkClick r:id="rId8"/>
-              </a:rPr>
-              <a:t>Machine Learning from Scratch</a:t>
-            </a:r>
-            <a:endParaRPr lang="en-US" sz="1600" i="1" dirty="0"/>
-          </a:p>
-          <a:p>
-            <a:pPr marL="0" indent="0">
-              <a:lnSpc>
-                <a:spcPct val="170000"/>
-              </a:lnSpc>
-              <a:buNone/>
-            </a:pPr>
+              <a:t>You can access either of these platforms.</a:t>
+            </a:r>
+          </a:p>
+          <a:p>
             <a:endParaRPr lang="en-US" dirty="0"/>
           </a:p>
-        </p:txBody>
-      </p:sp>
-      <p:sp>
-        <p:nvSpPr>
-          <p:cNvPr id="4" name="TextBox 3">
-            <a:extLst>
-              <a:ext uri="{FF2B5EF4-FFF2-40B4-BE49-F238E27FC236}">
-                <a16:creationId xmlns:a16="http://schemas.microsoft.com/office/drawing/2014/main" id="{39E5AFE2-A855-4E8E-9308-33AC753957FB}"/>
-              </a:ext>
-            </a:extLst>
-          </p:cNvPr>
-          <p:cNvSpPr txBox="1"/>
-          <p:nvPr/>
-        </p:nvSpPr>
-        <p:spPr>
-          <a:xfrm>
-            <a:off x="8787619" y="5185680"/>
-            <a:ext cx="2368061" cy="369332"/>
-          </a:xfrm>
-          <a:prstGeom prst="rect">
-            <a:avLst/>
-          </a:prstGeom>
-          <a:noFill/>
-        </p:spPr>
-        <p:txBody>
-          <a:bodyPr wrap="square" rtlCol="0">
-            <a:spAutoFit/>
-          </a:bodyPr>
-          <a:lstStyle/>
           <a:p>
             <a:r>
               <a:rPr lang="en-US" dirty="0"/>
-              <a:t>thomasnield9727	</a:t>
-            </a:r>
-          </a:p>
-        </p:txBody>
-      </p:sp>
-      <p:pic>
-        <p:nvPicPr>
-          <p:cNvPr id="5" name="Picture 4">
-            <a:extLst>
-              <a:ext uri="{FF2B5EF4-FFF2-40B4-BE49-F238E27FC236}">
-                <a16:creationId xmlns:a16="http://schemas.microsoft.com/office/drawing/2014/main" id="{8BBB5F5F-CF0C-4C8B-996C-0DDA79B9FA8D}"/>
-              </a:ext>
-            </a:extLst>
-          </p:cNvPr>
-          <p:cNvPicPr>
-            <a:picLocks noChangeAspect="1"/>
-          </p:cNvPicPr>
-          <p:nvPr/>
-        </p:nvPicPr>
-        <p:blipFill>
-          <a:blip r:embed="rId9">
-            <a:extLst>
-              <a:ext uri="{28A0092B-C50C-407E-A947-70E740481C1C}">
-                <a14:useLocalDpi xmlns:a14="http://schemas.microsoft.com/office/drawing/2010/main" val="0"/>
-              </a:ext>
-            </a:extLst>
-          </a:blip>
-          <a:stretch>
-            <a:fillRect/>
-          </a:stretch>
-        </p:blipFill>
-        <p:spPr>
-          <a:xfrm>
-            <a:off x="8389801" y="5185680"/>
-            <a:ext cx="397818" cy="397818"/>
-          </a:xfrm>
-          <a:prstGeom prst="rect">
-            <a:avLst/>
-          </a:prstGeom>
-        </p:spPr>
-      </p:pic>
-      <p:sp>
-        <p:nvSpPr>
-          <p:cNvPr id="6" name="Rectangle 5">
-            <a:extLst>
-              <a:ext uri="{FF2B5EF4-FFF2-40B4-BE49-F238E27FC236}">
-                <a16:creationId xmlns:a16="http://schemas.microsoft.com/office/drawing/2014/main" id="{4990C2BF-DACC-4F92-921A-6544D4ECCE19}"/>
-              </a:ext>
-            </a:extLst>
-          </p:cNvPr>
-          <p:cNvSpPr/>
-          <p:nvPr/>
-        </p:nvSpPr>
-        <p:spPr>
-          <a:xfrm>
-            <a:off x="8787619" y="5676393"/>
-            <a:ext cx="3437159" cy="369332"/>
-          </a:xfrm>
-          <a:prstGeom prst="rect">
-            <a:avLst/>
-          </a:prstGeom>
-        </p:spPr>
-        <p:txBody>
-          <a:bodyPr wrap="none">
-            <a:spAutoFit/>
-          </a:bodyPr>
-          <a:lstStyle/>
-          <a:p>
-            <a:r>
-              <a:rPr lang="en-US" dirty="0"/>
-              <a:t>https://github.com/thomasnield</a:t>
-            </a:r>
-          </a:p>
-        </p:txBody>
-      </p:sp>
-      <p:pic>
-        <p:nvPicPr>
-          <p:cNvPr id="7" name="Picture 6">
-            <a:extLst>
-              <a:ext uri="{FF2B5EF4-FFF2-40B4-BE49-F238E27FC236}">
-                <a16:creationId xmlns:a16="http://schemas.microsoft.com/office/drawing/2014/main" id="{63D708B9-DC0C-4468-9BEA-369FE7E74624}"/>
-              </a:ext>
-            </a:extLst>
-          </p:cNvPr>
-          <p:cNvPicPr>
-            <a:picLocks noChangeAspect="1"/>
-          </p:cNvPicPr>
-          <p:nvPr/>
-        </p:nvPicPr>
-        <p:blipFill>
-          <a:blip r:embed="rId10">
-            <a:extLst>
-              <a:ext uri="{28A0092B-C50C-407E-A947-70E740481C1C}">
-                <a14:useLocalDpi xmlns:a14="http://schemas.microsoft.com/office/drawing/2010/main" val="0"/>
-              </a:ext>
-            </a:extLst>
-          </a:blip>
-          <a:stretch>
-            <a:fillRect/>
-          </a:stretch>
-        </p:blipFill>
-        <p:spPr>
-          <a:xfrm>
-            <a:off x="8389801" y="5673269"/>
-            <a:ext cx="397818" cy="397818"/>
-          </a:xfrm>
-          <a:prstGeom prst="rect">
-            <a:avLst/>
-          </a:prstGeom>
-        </p:spPr>
-      </p:pic>
-      <p:pic>
-        <p:nvPicPr>
-          <p:cNvPr id="9" name="Picture 8"/>
-          <p:cNvPicPr>
-            <a:picLocks noChangeAspect="1"/>
-          </p:cNvPicPr>
-          <p:nvPr/>
-        </p:nvPicPr>
-        <p:blipFill>
-          <a:blip r:embed="rId11">
-            <a:extLst>
-              <a:ext uri="{28A0092B-C50C-407E-A947-70E740481C1C}">
-                <a14:useLocalDpi xmlns:a14="http://schemas.microsoft.com/office/drawing/2010/main" val="0"/>
-              </a:ext>
-            </a:extLst>
-          </a:blip>
-          <a:stretch>
-            <a:fillRect/>
-          </a:stretch>
-        </p:blipFill>
-        <p:spPr>
-          <a:xfrm>
-            <a:off x="8912542" y="1972274"/>
-            <a:ext cx="2243138" cy="2937863"/>
-          </a:xfrm>
-          <a:prstGeom prst="rect">
-            <a:avLst/>
-          </a:prstGeom>
-        </p:spPr>
-      </p:pic>
+              <a:t>If you cannot install or download any software, you can use SQLiteOnline.com which is an online-only SQLite editor. </a:t>
+            </a:r>
+          </a:p>
+          <a:p>
+            <a:endParaRPr lang="en-US" dirty="0"/>
+          </a:p>
+          <a:p>
+            <a:endParaRPr lang="en-US" dirty="0"/>
+          </a:p>
+        </p:txBody>
+      </p:sp>
     </p:spTree>
     <p:extLst>
       <p:ext uri="{BB962C8B-B14F-4D97-AF65-F5344CB8AC3E}">
-        <p14:creationId xmlns:p14="http://schemas.microsoft.com/office/powerpoint/2010/main" val="2932625647"/>
+        <p14:creationId xmlns:p14="http://schemas.microsoft.com/office/powerpoint/2010/main" val="238060124"/>
       </p:ext>
     </p:extLst>
   </p:cSld>
@@ -8457,7 +5815,7 @@
           <a:p>
             <a:r>
               <a:rPr lang="en-US" dirty="0"/>
-              <a:t>Setting Up SQLite</a:t>
+              <a:t>Getting Resource Files</a:t>
             </a:r>
           </a:p>
         </p:txBody>
@@ -8480,12 +5838,8 @@
           <a:lstStyle/>
           <a:p>
             <a:r>
-              <a:rPr lang="en-US" dirty="0" err="1"/>
-              <a:t>SQLiteStudio</a:t>
-            </a:r>
-            <a:r>
               <a:rPr lang="en-US" dirty="0"/>
-              <a:t> or DB Browser for SQLite can be downloaded here:</a:t>
+              <a:t> The few resources needed for this class are available on GitHub:</a:t>
             </a:r>
           </a:p>
           <a:p>
@@ -8493,49 +5847,53 @@
               <a:rPr lang="en-US" dirty="0">
                 <a:hlinkClick r:id="rId3"/>
               </a:rPr>
-              <a:t>https://sqlitestudio.pl/</a:t>
+              <a:t>https://github.com/thomasnield/oreilly_intermediate_sql_for_data</a:t>
             </a:r>
             <a:endParaRPr lang="en-US" dirty="0"/>
           </a:p>
           <a:p>
             <a:r>
-              <a:rPr lang="en-US" dirty="0">
-                <a:hlinkClick r:id="rId4"/>
-              </a:rPr>
-              <a:t>https://sqlitebrowser.org/</a:t>
-            </a:r>
-            <a:endParaRPr lang="en-US" dirty="0"/>
-          </a:p>
-          <a:p>
-            <a:endParaRPr lang="en-US" dirty="0"/>
-          </a:p>
-          <a:p>
-            <a:r>
               <a:rPr lang="en-US" dirty="0"/>
-              <a:t>You can install either of these platforms.</a:t>
-            </a:r>
-          </a:p>
-          <a:p>
-            <a:endParaRPr lang="en-US" dirty="0"/>
+              <a:t>Unzip the contents to a location of your choice, and note where you put them</a:t>
+            </a:r>
           </a:p>
           <a:p>
             <a:r>
               <a:rPr lang="en-US" dirty="0"/>
-              <a:t>If you cannot install or download any software, you can use SQLiteOnline.com which is an online-only SQLite browser. </a:t>
-            </a:r>
-          </a:p>
-          <a:p>
-            <a:endParaRPr lang="en-US" dirty="0"/>
-          </a:p>
-          <a:p>
-            <a:endParaRPr lang="en-US" dirty="0"/>
+              <a:t>Contents include:</a:t>
+            </a:r>
+          </a:p>
+          <a:p>
+            <a:pPr marL="383540" lvl="1"/>
+            <a:r>
+              <a:rPr lang="en-US" dirty="0"/>
+              <a:t>A SQLite database file called </a:t>
+            </a:r>
+            <a:r>
+              <a:rPr lang="en-US" b="1" dirty="0"/>
+              <a:t>thunderbird_manufacturing.db</a:t>
+            </a:r>
+          </a:p>
+          <a:p>
+            <a:pPr marL="383540" lvl="1"/>
+            <a:r>
+              <a:rPr lang="en-US" dirty="0"/>
+              <a:t>Class notes with all examples (in three formats)</a:t>
+            </a:r>
+          </a:p>
+          <a:p>
+            <a:pPr marL="383540" lvl="1"/>
+            <a:r>
+              <a:rPr lang="en-US" dirty="0"/>
+              <a:t>Slides</a:t>
+            </a:r>
           </a:p>
         </p:txBody>
       </p:sp>
     </p:spTree>
     <p:extLst>
       <p:ext uri="{BB962C8B-B14F-4D97-AF65-F5344CB8AC3E}">
-        <p14:creationId xmlns:p14="http://schemas.microsoft.com/office/powerpoint/2010/main" val="238060124"/>
+        <p14:creationId xmlns:p14="http://schemas.microsoft.com/office/powerpoint/2010/main" val="1048936443"/>
       </p:ext>
     </p:extLst>
   </p:cSld>
@@ -8579,140 +5937,6 @@
           <a:p>
             <a:r>
               <a:rPr lang="en-US" dirty="0"/>
-              <a:t>Getting Resource Files</a:t>
-            </a:r>
-          </a:p>
-        </p:txBody>
-      </p:sp>
-      <p:sp>
-        <p:nvSpPr>
-          <p:cNvPr id="3" name="Content Placeholder 2"/>
-          <p:cNvSpPr>
-            <a:spLocks noGrp="1"/>
-          </p:cNvSpPr>
-          <p:nvPr>
-            <p:ph idx="1"/>
-          </p:nvPr>
-        </p:nvSpPr>
-        <p:spPr/>
-        <p:txBody>
-          <a:bodyPr vert="horz" lIns="0" tIns="45720" rIns="0" bIns="45720" rtlCol="0" anchor="t">
-            <a:normAutofit/>
-          </a:bodyPr>
-          <a:lstStyle/>
-          <a:p>
-            <a:r>
-              <a:rPr lang="en-US" dirty="0"/>
-              <a:t> The few resources needed for this class are available on GitHub:</a:t>
-            </a:r>
-          </a:p>
-          <a:p>
-            <a:r>
-              <a:rPr lang="en-US" dirty="0">
-                <a:hlinkClick r:id="rId3"/>
-              </a:rPr>
-              <a:t>https://github.com/thomasnield/oreilly_advanced_sql_for_data</a:t>
-            </a:r>
-          </a:p>
-          <a:p>
-            <a:r>
-              <a:rPr lang="en-US" dirty="0"/>
-              <a:t>Unzip the contents to a location of your choice, and note where you put them</a:t>
-            </a:r>
-          </a:p>
-          <a:p>
-            <a:r>
-              <a:rPr lang="en-US" dirty="0"/>
-              <a:t>Contents include:</a:t>
-            </a:r>
-          </a:p>
-          <a:p>
-            <a:pPr marL="383540" lvl="1"/>
-            <a:r>
-              <a:rPr lang="en-US" dirty="0"/>
-              <a:t>A SQLite database file called </a:t>
-            </a:r>
-            <a:r>
-              <a:rPr lang="en-US" b="1" dirty="0"/>
-              <a:t>thunderbird_manufacturing.db</a:t>
-            </a:r>
-          </a:p>
-          <a:p>
-            <a:pPr marL="383540" lvl="1"/>
-            <a:r>
-              <a:rPr lang="en-US" dirty="0"/>
-              <a:t>Class notes with all examples (in three formats)</a:t>
-            </a:r>
-            <a:endParaRPr lang="en-US" b="1" dirty="0"/>
-          </a:p>
-          <a:p>
-            <a:pPr marL="383540" lvl="1"/>
-            <a:r>
-              <a:rPr lang="en-US" dirty="0"/>
-              <a:t>A </a:t>
-            </a:r>
-            <a:r>
-              <a:rPr lang="en-US" b="1" dirty="0"/>
-              <a:t>customer_order.</a:t>
-            </a:r>
-            <a:r>
-              <a:rPr lang="en-US" b="1" dirty="0" err="1"/>
-              <a:t>sql</a:t>
-            </a:r>
-            <a:r>
-              <a:rPr lang="en-US" dirty="0"/>
-              <a:t> SQL script file to create a CUSTOMER_ORDER table</a:t>
-            </a:r>
-          </a:p>
-        </p:txBody>
-      </p:sp>
-    </p:spTree>
-    <p:extLst>
-      <p:ext uri="{BB962C8B-B14F-4D97-AF65-F5344CB8AC3E}">
-        <p14:creationId xmlns:p14="http://schemas.microsoft.com/office/powerpoint/2010/main" val="1048936443"/>
-      </p:ext>
-    </p:extLst>
-  </p:cSld>
-  <p:clrMapOvr>
-    <a:masterClrMapping/>
-  </p:clrMapOvr>
-</p:sld>
-</file>
-
-<file path=ppt/slides/slide6.xml><?xml version="1.0" encoding="utf-8"?>
-<p:sld xmlns:a="http://schemas.openxmlformats.org/drawingml/2006/main" xmlns:r="http://schemas.openxmlformats.org/officeDocument/2006/relationships" xmlns:p="http://schemas.openxmlformats.org/presentationml/2006/main">
-  <p:cSld>
-    <p:spTree>
-      <p:nvGrpSpPr>
-        <p:cNvPr id="1" name=""/>
-        <p:cNvGrpSpPr/>
-        <p:nvPr/>
-      </p:nvGrpSpPr>
-      <p:grpSpPr>
-        <a:xfrm>
-          <a:off x="0" y="0"/>
-          <a:ext cx="0" cy="0"/>
-          <a:chOff x="0" y="0"/>
-          <a:chExt cx="0" cy="0"/>
-        </a:xfrm>
-      </p:grpSpPr>
-      <p:sp>
-        <p:nvSpPr>
-          <p:cNvPr id="2" name="Title 1"/>
-          <p:cNvSpPr>
-            <a:spLocks noGrp="1"/>
-          </p:cNvSpPr>
-          <p:nvPr>
-            <p:ph type="title"/>
-          </p:nvPr>
-        </p:nvSpPr>
-        <p:spPr/>
-        <p:txBody>
-          <a:bodyPr/>
-          <a:lstStyle/>
-          <a:p>
-            <a:r>
-              <a:rPr lang="en-US" dirty="0"/>
               <a:t>Section II Exercise</a:t>
             </a:r>
           </a:p>
@@ -8783,7 +6007,7 @@
 </p:sld>
 </file>
 
-<file path=ppt/slides/slide7.xml><?xml version="1.0" encoding="utf-8"?>
+<file path=ppt/slides/slide6.xml><?xml version="1.0" encoding="utf-8"?>
 <p:sld xmlns:a="http://schemas.openxmlformats.org/drawingml/2006/main" xmlns:r="http://schemas.openxmlformats.org/officeDocument/2006/relationships" xmlns:p="http://schemas.openxmlformats.org/presentationml/2006/main">
   <p:cSld>
     <p:spTree>
@@ -8946,7 +6170,7 @@
 </p:sld>
 </file>
 
-<file path=ppt/slides/slide8.xml><?xml version="1.0" encoding="utf-8"?>
+<file path=ppt/slides/slide7.xml><?xml version="1.0" encoding="utf-8"?>
 <p:sld xmlns:a="http://schemas.openxmlformats.org/drawingml/2006/main" xmlns:r="http://schemas.openxmlformats.org/officeDocument/2006/relationships" xmlns:p="http://schemas.openxmlformats.org/presentationml/2006/main">
   <p:cSld>
     <p:spTree>
@@ -9024,7 +6248,7 @@
 </p:sld>
 </file>
 
-<file path=ppt/slides/slide9.xml><?xml version="1.0" encoding="utf-8"?>
+<file path=ppt/slides/slide8.xml><?xml version="1.0" encoding="utf-8"?>
 <p:sld xmlns:a="http://schemas.openxmlformats.org/drawingml/2006/main" xmlns:r="http://schemas.openxmlformats.org/officeDocument/2006/relationships" xmlns:p="http://schemas.openxmlformats.org/presentationml/2006/main">
   <p:cSld>
     <p:spTree>
@@ -9091,6 +6315,85 @@
     <p:extLst>
       <p:ext uri="{BB962C8B-B14F-4D97-AF65-F5344CB8AC3E}">
         <p14:creationId xmlns:p14="http://schemas.microsoft.com/office/powerpoint/2010/main" val="1956463271"/>
+      </p:ext>
+    </p:extLst>
+  </p:cSld>
+  <p:clrMapOvr>
+    <a:masterClrMapping/>
+  </p:clrMapOvr>
+</p:sld>
+</file>
+
+<file path=ppt/slides/slide9.xml><?xml version="1.0" encoding="utf-8"?>
+<p:sld xmlns:a="http://schemas.openxmlformats.org/drawingml/2006/main" xmlns:r="http://schemas.openxmlformats.org/officeDocument/2006/relationships" xmlns:p="http://schemas.openxmlformats.org/presentationml/2006/main">
+  <p:cSld>
+    <p:spTree>
+      <p:nvGrpSpPr>
+        <p:cNvPr id="1" name=""/>
+        <p:cNvGrpSpPr/>
+        <p:nvPr/>
+      </p:nvGrpSpPr>
+      <p:grpSpPr>
+        <a:xfrm>
+          <a:off x="0" y="0"/>
+          <a:ext cx="0" cy="0"/>
+          <a:chOff x="0" y="0"/>
+          <a:chExt cx="0" cy="0"/>
+        </a:xfrm>
+      </p:grpSpPr>
+      <p:sp>
+        <p:nvSpPr>
+          <p:cNvPr id="2" name="Title 1"/>
+          <p:cNvSpPr>
+            <a:spLocks noGrp="1"/>
+          </p:cNvSpPr>
+          <p:nvPr>
+            <p:ph type="title"/>
+          </p:nvPr>
+        </p:nvSpPr>
+        <p:spPr/>
+        <p:txBody>
+          <a:bodyPr/>
+          <a:lstStyle/>
+          <a:p>
+            <a:r>
+              <a:rPr lang="en-US" dirty="0"/>
+              <a:t>Section VI Exercise</a:t>
+            </a:r>
+          </a:p>
+        </p:txBody>
+      </p:sp>
+      <p:sp>
+        <p:nvSpPr>
+          <p:cNvPr id="3" name="Content Placeholder 2"/>
+          <p:cNvSpPr>
+            <a:spLocks noGrp="1"/>
+          </p:cNvSpPr>
+          <p:nvPr>
+            <p:ph idx="1"/>
+          </p:nvPr>
+        </p:nvSpPr>
+        <p:spPr/>
+        <p:txBody>
+          <a:bodyPr vert="horz" lIns="0" tIns="45720" rIns="0" bIns="45720" rtlCol="0" anchor="t">
+            <a:normAutofit/>
+          </a:bodyPr>
+          <a:lstStyle/>
+          <a:p>
+            <a:r>
+              <a:rPr lang="en-US" dirty="0"/>
+              <a:t>For every CALENDAR_DATE and CUSTOMER_ID, show the total QUANTITY ordered for the date range of 2017-01-01 to 2017-03-31:</a:t>
+            </a:r>
+          </a:p>
+          <a:p>
+            <a:endParaRPr lang="en-US" dirty="0"/>
+          </a:p>
+        </p:txBody>
+      </p:sp>
+    </p:spTree>
+    <p:extLst>
+      <p:ext uri="{BB962C8B-B14F-4D97-AF65-F5344CB8AC3E}">
+        <p14:creationId xmlns:p14="http://schemas.microsoft.com/office/powerpoint/2010/main" val="3340675965"/>
       </p:ext>
     </p:extLst>
   </p:cSld>
